--- a/NU-Project2_Stocks.pptx
+++ b/NU-Project2_Stocks.pptx
@@ -15,9 +15,9 @@
     <p:sldId id="257" r:id="rId3"/>
     <p:sldId id="262" r:id="rId4"/>
     <p:sldId id="276" r:id="rId5"/>
-    <p:sldId id="299" r:id="rId6"/>
-    <p:sldId id="294" r:id="rId7"/>
-    <p:sldId id="295" r:id="rId8"/>
+    <p:sldId id="300" r:id="rId6"/>
+    <p:sldId id="301" r:id="rId7"/>
+    <p:sldId id="294" r:id="rId8"/>
     <p:sldId id="266" r:id="rId9"/>
     <p:sldId id="296" r:id="rId10"/>
   </p:sldIdLst>
@@ -127,9 +127,9 @@
             <p14:sldId id="257"/>
             <p14:sldId id="262"/>
             <p14:sldId id="276"/>
-            <p14:sldId id="299"/>
+            <p14:sldId id="300"/>
+            <p14:sldId id="301"/>
             <p14:sldId id="294"/>
-            <p14:sldId id="295"/>
             <p14:sldId id="266"/>
             <p14:sldId id="296"/>
           </p14:sldIdLst>
@@ -4753,7 +4753,7 @@
           <a:p>
             <a:r>
               <a:rPr lang="en-US" dirty="0"/>
-              <a:t>Project</a:t>
+              <a:t>ETL Project - Stocks</a:t>
             </a:r>
           </a:p>
         </p:txBody>
@@ -5297,7 +5297,7 @@
             </a:pPr>
             <a:r>
               <a:rPr lang="en-US" sz="1100" dirty="0"/>
-              <a:t>		- pip install </a:t>
+              <a:t>			$pip install </a:t>
             </a:r>
             <a:r>
               <a:rPr lang="en-US" sz="1100" dirty="0" err="1"/>
@@ -5618,7 +5618,7 @@
           <a:p>
             <a:r>
               <a:rPr lang="en-US" dirty="0"/>
-              <a:t>Key Source - Stocks</a:t>
+              <a:t>Stock Data</a:t>
             </a:r>
           </a:p>
         </p:txBody>
@@ -5661,8 +5661,8 @@
         </p:nvSpPr>
         <p:spPr>
           <a:xfrm>
-            <a:off x="5111616" y="1111960"/>
-            <a:ext cx="777875" cy="299826"/>
+            <a:off x="5270733" y="1034011"/>
+            <a:ext cx="1117734" cy="299826"/>
           </a:xfrm>
           <a:prstGeom prst="wedgeRectCallout">
             <a:avLst>
@@ -5692,78 +5692,7 @@
             <a:pPr algn="ctr"/>
             <a:r>
               <a:rPr lang="en-US" sz="1000" dirty="0"/>
-              <a:t>Dataset Identifier</a:t>
-            </a:r>
-          </a:p>
-        </p:txBody>
-      </p:sp>
-      <p:sp>
-        <p:nvSpPr>
-          <p:cNvPr id="9" name="TextBox 8">
-            <a:extLst>
-              <a:ext uri="{FF2B5EF4-FFF2-40B4-BE49-F238E27FC236}">
-                <a16:creationId xmlns:a16="http://schemas.microsoft.com/office/drawing/2014/main" id="{2379F161-41EA-4C06-BA6E-B50D2769C2F8}"/>
-              </a:ext>
-            </a:extLst>
-          </p:cNvPr>
-          <p:cNvSpPr txBox="1"/>
-          <p:nvPr/>
-        </p:nvSpPr>
-        <p:spPr>
-          <a:xfrm>
-            <a:off x="635000" y="1111960"/>
-            <a:ext cx="4476616" cy="246221"/>
-          </a:xfrm>
-          <a:prstGeom prst="rect">
-            <a:avLst/>
-          </a:prstGeom>
-          <a:noFill/>
-          <a:effectLst>
-            <a:outerShdw blurRad="50800" dist="38100" dir="2700000" algn="tl" rotWithShape="0">
-              <a:prstClr val="black">
-                <a:alpha val="40000"/>
-              </a:prstClr>
-            </a:outerShdw>
-          </a:effectLst>
-        </p:spPr>
-        <p:txBody>
-          <a:bodyPr wrap="square">
-            <a:spAutoFit/>
-          </a:bodyPr>
-          <a:lstStyle/>
-          <a:p>
-            <a:r>
-              <a:rPr lang="en-US" sz="1000" dirty="0">
-                <a:highlight>
-                  <a:srgbClr val="C0C0C0"/>
-                </a:highlight>
-              </a:rPr>
-              <a:t>https://data.cityofchicago.org/</a:t>
-            </a:r>
-            <a:r>
-              <a:rPr lang="en-US" sz="1000" dirty="0">
-                <a:highlight>
-                  <a:srgbClr val="C0C0C0"/>
-                </a:highlight>
-                <a:hlinkClick r:id="rId2"/>
-              </a:rPr>
-              <a:t>Public-Safety</a:t>
-            </a:r>
-            <a:r>
-              <a:rPr lang="en-US" sz="1000" dirty="0">
-                <a:highlight>
-                  <a:srgbClr val="C0C0C0"/>
-                </a:highlight>
-              </a:rPr>
-              <a:t>/Crimes-2001-to-Present/</a:t>
-            </a:r>
-            <a:r>
-              <a:rPr lang="en-US" sz="1000" dirty="0">
-                <a:highlight>
-                  <a:srgbClr val="FFFF00"/>
-                </a:highlight>
-              </a:rPr>
-              <a:t>ijzp-q8t2</a:t>
+              <a:t>Import Daily Stock Price</a:t>
             </a:r>
           </a:p>
         </p:txBody>
@@ -5784,11 +5713,494 @@
             <p:ph idx="1"/>
           </p:nvPr>
         </p:nvSpPr>
-        <p:spPr/>
-        <p:txBody>
-          <a:bodyPr/>
+        <p:spPr>
+          <a:xfrm>
+            <a:off x="457200" y="1771668"/>
+            <a:ext cx="7137400" cy="2417228"/>
+          </a:xfrm>
+        </p:spPr>
+        <p:txBody>
+          <a:bodyPr>
+            <a:normAutofit fontScale="47500" lnSpcReduction="20000"/>
+          </a:bodyPr>
           <a:lstStyle/>
           <a:p>
+            <a:pPr marL="0" indent="0">
+              <a:buNone/>
+            </a:pPr>
+            <a:r>
+              <a:rPr lang="en-US" sz="3200" dirty="0" err="1">
+                <a:hlinkClick r:id="rId2"/>
+              </a:rPr>
+              <a:t>yfinance</a:t>
+            </a:r>
+            <a:r>
+              <a:rPr lang="en-US" sz="3200" dirty="0"/>
+              <a:t> - # Yahoo! Finance market data </a:t>
+            </a:r>
+          </a:p>
+          <a:p>
+            <a:endParaRPr lang="en-US" dirty="0"/>
+          </a:p>
+          <a:p>
+            <a:r>
+              <a:rPr lang="en-US" dirty="0"/>
+              <a:t>https://github.com/ranaroussi/yfinance</a:t>
+            </a:r>
+          </a:p>
+          <a:p>
+            <a:r>
+              <a:rPr lang="en-US" dirty="0"/>
+              <a:t> Install </a:t>
+            </a:r>
+            <a:r>
+              <a:rPr lang="en-US" dirty="0" err="1"/>
+              <a:t>yfinance</a:t>
+            </a:r>
+            <a:r>
+              <a:rPr lang="en-US" dirty="0"/>
+              <a:t> using pip:</a:t>
+            </a:r>
+          </a:p>
+          <a:p>
+            <a:pPr marL="0" indent="0">
+              <a:buNone/>
+            </a:pPr>
+            <a:r>
+              <a:rPr lang="en-US" dirty="0"/>
+              <a:t>	  $ pip install </a:t>
+            </a:r>
+            <a:r>
+              <a:rPr lang="en-US" dirty="0" err="1"/>
+              <a:t>yfinance</a:t>
+            </a:r>
+            <a:r>
+              <a:rPr lang="en-US" dirty="0"/>
+              <a:t> --upgrade --no-cache-</a:t>
+            </a:r>
+            <a:r>
+              <a:rPr lang="en-US" dirty="0" err="1"/>
+              <a:t>dir</a:t>
+            </a:r>
+            <a:endParaRPr lang="en-US" dirty="0"/>
+          </a:p>
+          <a:p>
+            <a:pPr marL="0" indent="0">
+              <a:buNone/>
+            </a:pPr>
+            <a:endParaRPr lang="en-US" dirty="0"/>
+          </a:p>
+          <a:p>
+            <a:pPr marL="0" indent="0">
+              <a:buNone/>
+            </a:pPr>
+            <a:r>
+              <a:rPr lang="en-US" dirty="0"/>
+              <a:t>Requirements</a:t>
+            </a:r>
+          </a:p>
+          <a:p>
+            <a:r>
+              <a:rPr lang="en-US" dirty="0"/>
+              <a:t>  Python &gt;= 2.7, 3.4+</a:t>
+            </a:r>
+          </a:p>
+          <a:p>
+            <a:r>
+              <a:rPr lang="en-US" dirty="0"/>
+              <a:t>  Pandas &gt;=0.23.1</a:t>
+            </a:r>
+          </a:p>
+        </p:txBody>
+      </p:sp>
+      <p:pic>
+        <p:nvPicPr>
+          <p:cNvPr id="15" name="Picture 14">
+            <a:extLst>
+              <a:ext uri="{FF2B5EF4-FFF2-40B4-BE49-F238E27FC236}">
+                <a16:creationId xmlns:a16="http://schemas.microsoft.com/office/drawing/2014/main" id="{C7CDAB26-839C-4423-9A32-28B7FA19C983}"/>
+              </a:ext>
+            </a:extLst>
+          </p:cNvPr>
+          <p:cNvPicPr>
+            <a:picLocks noChangeAspect="1"/>
+          </p:cNvPicPr>
+          <p:nvPr/>
+        </p:nvPicPr>
+        <p:blipFill>
+          <a:blip r:embed="rId3"/>
+          <a:stretch>
+            <a:fillRect/>
+          </a:stretch>
+        </p:blipFill>
+        <p:spPr>
+          <a:xfrm>
+            <a:off x="5081125" y="2920091"/>
+            <a:ext cx="2289041" cy="1211845"/>
+          </a:xfrm>
+          <a:prstGeom prst="rect">
+            <a:avLst/>
+          </a:prstGeom>
+          <a:ln>
+            <a:noFill/>
+          </a:ln>
+          <a:effectLst>
+            <a:outerShdw blurRad="190500" algn="tl" rotWithShape="0">
+              <a:srgbClr val="000000">
+                <a:alpha val="70000"/>
+              </a:srgbClr>
+            </a:outerShdw>
+          </a:effectLst>
+        </p:spPr>
+      </p:pic>
+      <p:sp>
+        <p:nvSpPr>
+          <p:cNvPr id="18" name="Arrow: Right 17">
+            <a:extLst>
+              <a:ext uri="{FF2B5EF4-FFF2-40B4-BE49-F238E27FC236}">
+                <a16:creationId xmlns:a16="http://schemas.microsoft.com/office/drawing/2014/main" id="{C87352A8-8B74-4311-B6FE-F34E9C40C723}"/>
+              </a:ext>
+            </a:extLst>
+          </p:cNvPr>
+          <p:cNvSpPr/>
+          <p:nvPr/>
+        </p:nvSpPr>
+        <p:spPr>
+          <a:xfrm rot="5400000">
+            <a:off x="6176318" y="2645277"/>
+            <a:ext cx="424297" cy="293257"/>
+          </a:xfrm>
+          <a:prstGeom prst="rightArrow">
+            <a:avLst/>
+          </a:prstGeom>
+        </p:spPr>
+        <p:style>
+          <a:lnRef idx="1">
+            <a:schemeClr val="accent1"/>
+          </a:lnRef>
+          <a:fillRef idx="3">
+            <a:schemeClr val="accent1"/>
+          </a:fillRef>
+          <a:effectRef idx="2">
+            <a:schemeClr val="accent1"/>
+          </a:effectRef>
+          <a:fontRef idx="minor">
+            <a:schemeClr val="lt1"/>
+          </a:fontRef>
+        </p:style>
+        <p:txBody>
+          <a:bodyPr rtlCol="0" anchor="ctr"/>
+          <a:lstStyle/>
+          <a:p>
+            <a:pPr algn="ctr"/>
+            <a:endParaRPr lang="en-US"/>
+          </a:p>
+        </p:txBody>
+      </p:sp>
+      <p:pic>
+        <p:nvPicPr>
+          <p:cNvPr id="13" name="Picture 12">
+            <a:extLst>
+              <a:ext uri="{FF2B5EF4-FFF2-40B4-BE49-F238E27FC236}">
+                <a16:creationId xmlns:a16="http://schemas.microsoft.com/office/drawing/2014/main" id="{ED176FD6-EEDE-4DF3-BEFD-7DFD6A30CA0C}"/>
+              </a:ext>
+            </a:extLst>
+          </p:cNvPr>
+          <p:cNvPicPr>
+            <a:picLocks noChangeAspect="1"/>
+          </p:cNvPicPr>
+          <p:nvPr/>
+        </p:nvPicPr>
+        <p:blipFill>
+          <a:blip r:embed="rId4"/>
+          <a:stretch>
+            <a:fillRect/>
+          </a:stretch>
+        </p:blipFill>
+        <p:spPr>
+          <a:xfrm>
+            <a:off x="5243947" y="1501060"/>
+            <a:ext cx="3192028" cy="1198563"/>
+          </a:xfrm>
+          <a:prstGeom prst="rect">
+            <a:avLst/>
+          </a:prstGeom>
+          <a:ln>
+            <a:noFill/>
+          </a:ln>
+          <a:effectLst>
+            <a:outerShdw blurRad="190500" algn="tl" rotWithShape="0">
+              <a:srgbClr val="000000">
+                <a:alpha val="70000"/>
+              </a:srgbClr>
+            </a:outerShdw>
+          </a:effectLst>
+        </p:spPr>
+      </p:pic>
+      <p:sp>
+        <p:nvSpPr>
+          <p:cNvPr id="17" name="Arrow: Right 16">
+            <a:extLst>
+              <a:ext uri="{FF2B5EF4-FFF2-40B4-BE49-F238E27FC236}">
+                <a16:creationId xmlns:a16="http://schemas.microsoft.com/office/drawing/2014/main" id="{AD226FA7-6C6A-4DFA-84C0-2E4EB5133A85}"/>
+              </a:ext>
+            </a:extLst>
+          </p:cNvPr>
+          <p:cNvSpPr/>
+          <p:nvPr/>
+        </p:nvSpPr>
+        <p:spPr>
+          <a:xfrm rot="1195432">
+            <a:off x="4728701" y="1439420"/>
+            <a:ext cx="565062" cy="293257"/>
+          </a:xfrm>
+          <a:prstGeom prst="rightArrow">
+            <a:avLst/>
+          </a:prstGeom>
+        </p:spPr>
+        <p:style>
+          <a:lnRef idx="1">
+            <a:schemeClr val="accent1"/>
+          </a:lnRef>
+          <a:fillRef idx="3">
+            <a:schemeClr val="accent1"/>
+          </a:fillRef>
+          <a:effectRef idx="2">
+            <a:schemeClr val="accent1"/>
+          </a:effectRef>
+          <a:fontRef idx="minor">
+            <a:schemeClr val="lt1"/>
+          </a:fontRef>
+        </p:style>
+        <p:txBody>
+          <a:bodyPr rtlCol="0" anchor="ctr"/>
+          <a:lstStyle/>
+          <a:p>
+            <a:pPr algn="ctr"/>
+            <a:endParaRPr lang="en-US"/>
+          </a:p>
+        </p:txBody>
+      </p:sp>
+      <p:pic>
+        <p:nvPicPr>
+          <p:cNvPr id="7" name="Picture 6">
+            <a:extLst>
+              <a:ext uri="{FF2B5EF4-FFF2-40B4-BE49-F238E27FC236}">
+                <a16:creationId xmlns:a16="http://schemas.microsoft.com/office/drawing/2014/main" id="{2D264B1A-F31D-4467-AAA4-C9BBD1293A63}"/>
+              </a:ext>
+            </a:extLst>
+          </p:cNvPr>
+          <p:cNvPicPr>
+            <a:picLocks noChangeAspect="1"/>
+          </p:cNvPicPr>
+          <p:nvPr/>
+        </p:nvPicPr>
+        <p:blipFill>
+          <a:blip r:embed="rId5"/>
+          <a:stretch>
+            <a:fillRect/>
+          </a:stretch>
+        </p:blipFill>
+        <p:spPr>
+          <a:xfrm>
+            <a:off x="984250" y="1126521"/>
+            <a:ext cx="3835400" cy="460583"/>
+          </a:xfrm>
+          <a:prstGeom prst="rect">
+            <a:avLst/>
+          </a:prstGeom>
+          <a:ln>
+            <a:noFill/>
+          </a:ln>
+          <a:effectLst>
+            <a:outerShdw blurRad="190500" algn="tl" rotWithShape="0">
+              <a:srgbClr val="000000">
+                <a:alpha val="70000"/>
+              </a:srgbClr>
+            </a:outerShdw>
+          </a:effectLst>
+        </p:spPr>
+      </p:pic>
+      <p:pic>
+        <p:nvPicPr>
+          <p:cNvPr id="20" name="Picture 19">
+            <a:extLst>
+              <a:ext uri="{FF2B5EF4-FFF2-40B4-BE49-F238E27FC236}">
+                <a16:creationId xmlns:a16="http://schemas.microsoft.com/office/drawing/2014/main" id="{652C8DC6-5401-4AFC-82DD-2207DA987AA6}"/>
+              </a:ext>
+            </a:extLst>
+          </p:cNvPr>
+          <p:cNvPicPr>
+            <a:picLocks noChangeAspect="1"/>
+          </p:cNvPicPr>
+          <p:nvPr/>
+        </p:nvPicPr>
+        <p:blipFill>
+          <a:blip r:embed="rId6"/>
+          <a:stretch>
+            <a:fillRect/>
+          </a:stretch>
+        </p:blipFill>
+        <p:spPr>
+          <a:xfrm>
+            <a:off x="674111" y="4322866"/>
+            <a:ext cx="6719136" cy="306966"/>
+          </a:xfrm>
+          <a:prstGeom prst="rect">
+            <a:avLst/>
+          </a:prstGeom>
+          <a:ln>
+            <a:noFill/>
+          </a:ln>
+          <a:effectLst>
+            <a:outerShdw blurRad="190500" algn="tl" rotWithShape="0">
+              <a:srgbClr val="000000">
+                <a:alpha val="70000"/>
+              </a:srgbClr>
+            </a:outerShdw>
+          </a:effectLst>
+        </p:spPr>
+      </p:pic>
+      <p:sp>
+        <p:nvSpPr>
+          <p:cNvPr id="21" name="Speech Bubble: Rectangle 20">
+            <a:extLst>
+              <a:ext uri="{FF2B5EF4-FFF2-40B4-BE49-F238E27FC236}">
+                <a16:creationId xmlns:a16="http://schemas.microsoft.com/office/drawing/2014/main" id="{96DFCE6E-2ECF-437A-A066-11B2FA473E47}"/>
+              </a:ext>
+            </a:extLst>
+          </p:cNvPr>
+          <p:cNvSpPr/>
+          <p:nvPr/>
+        </p:nvSpPr>
+        <p:spPr>
+          <a:xfrm>
+            <a:off x="2945142" y="3736962"/>
+            <a:ext cx="1398258" cy="451934"/>
+          </a:xfrm>
+          <a:prstGeom prst="wedgeRectCallout">
+            <a:avLst>
+              <a:gd name="adj1" fmla="val 79136"/>
+              <a:gd name="adj2" fmla="val 75947"/>
+            </a:avLst>
+          </a:prstGeom>
+        </p:spPr>
+        <p:style>
+          <a:lnRef idx="1">
+            <a:schemeClr val="dk1"/>
+          </a:lnRef>
+          <a:fillRef idx="2">
+            <a:schemeClr val="dk1"/>
+          </a:fillRef>
+          <a:effectRef idx="1">
+            <a:schemeClr val="dk1"/>
+          </a:effectRef>
+          <a:fontRef idx="minor">
+            <a:schemeClr val="dk1"/>
+          </a:fontRef>
+        </p:style>
+        <p:txBody>
+          <a:bodyPr rtlCol="0" anchor="ctr"/>
+          <a:lstStyle/>
+          <a:p>
+            <a:pPr algn="ctr"/>
+            <a:r>
+              <a:rPr lang="en-US" sz="1000" dirty="0"/>
+              <a:t>Each stock’s CSV data merged with complete CSV dataset</a:t>
+            </a:r>
+          </a:p>
+        </p:txBody>
+      </p:sp>
+      <p:sp>
+        <p:nvSpPr>
+          <p:cNvPr id="22" name="Speech Bubble: Rectangle 21">
+            <a:extLst>
+              <a:ext uri="{FF2B5EF4-FFF2-40B4-BE49-F238E27FC236}">
+                <a16:creationId xmlns:a16="http://schemas.microsoft.com/office/drawing/2014/main" id="{D8CBBEA0-AAF4-401E-900D-36CA96287A44}"/>
+              </a:ext>
+            </a:extLst>
+          </p:cNvPr>
+          <p:cNvSpPr/>
+          <p:nvPr/>
+        </p:nvSpPr>
+        <p:spPr>
+          <a:xfrm>
+            <a:off x="7424971" y="3239806"/>
+            <a:ext cx="1117734" cy="299826"/>
+          </a:xfrm>
+          <a:prstGeom prst="wedgeRectCallout">
+            <a:avLst>
+              <a:gd name="adj1" fmla="val -91298"/>
+              <a:gd name="adj2" fmla="val -4533"/>
+            </a:avLst>
+          </a:prstGeom>
+        </p:spPr>
+        <p:style>
+          <a:lnRef idx="1">
+            <a:schemeClr val="dk1"/>
+          </a:lnRef>
+          <a:fillRef idx="2">
+            <a:schemeClr val="dk1"/>
+          </a:fillRef>
+          <a:effectRef idx="1">
+            <a:schemeClr val="dk1"/>
+          </a:effectRef>
+          <a:fontRef idx="minor">
+            <a:schemeClr val="dk1"/>
+          </a:fontRef>
+        </p:style>
+        <p:txBody>
+          <a:bodyPr rtlCol="0" anchor="ctr"/>
+          <a:lstStyle/>
+          <a:p>
+            <a:pPr algn="ctr"/>
+            <a:r>
+              <a:rPr lang="en-US" sz="1000" dirty="0"/>
+              <a:t>Required Fields</a:t>
+            </a:r>
+          </a:p>
+        </p:txBody>
+      </p:sp>
+      <p:sp>
+        <p:nvSpPr>
+          <p:cNvPr id="23" name="Arrow: Right 22">
+            <a:extLst>
+              <a:ext uri="{FF2B5EF4-FFF2-40B4-BE49-F238E27FC236}">
+                <a16:creationId xmlns:a16="http://schemas.microsoft.com/office/drawing/2014/main" id="{A0CAA4E0-D6BD-4462-9FA9-A2D604A52B25}"/>
+              </a:ext>
+            </a:extLst>
+          </p:cNvPr>
+          <p:cNvSpPr/>
+          <p:nvPr/>
+        </p:nvSpPr>
+        <p:spPr>
+          <a:xfrm rot="5400000">
+            <a:off x="6113056" y="4119862"/>
+            <a:ext cx="269106" cy="293257"/>
+          </a:xfrm>
+          <a:prstGeom prst="rightArrow">
+            <a:avLst/>
+          </a:prstGeom>
+        </p:spPr>
+        <p:style>
+          <a:lnRef idx="1">
+            <a:schemeClr val="accent1"/>
+          </a:lnRef>
+          <a:fillRef idx="3">
+            <a:schemeClr val="accent1"/>
+          </a:fillRef>
+          <a:effectRef idx="2">
+            <a:schemeClr val="accent1"/>
+          </a:effectRef>
+          <a:fontRef idx="minor">
+            <a:schemeClr val="lt1"/>
+          </a:fontRef>
+        </p:style>
+        <p:txBody>
+          <a:bodyPr rtlCol="0" anchor="ctr"/>
+          <a:lstStyle/>
+          <a:p>
+            <a:pPr algn="ctr"/>
             <a:endParaRPr lang="en-US"/>
           </a:p>
         </p:txBody>
@@ -5846,7 +6258,7 @@
           <a:p>
             <a:r>
               <a:rPr lang="en-US" dirty="0"/>
-              <a:t>Key Source - Trends</a:t>
+              <a:t>Trend Data</a:t>
             </a:r>
           </a:p>
         </p:txBody>
@@ -5877,10 +6289,79 @@
       </p:sp>
       <p:sp>
         <p:nvSpPr>
-          <p:cNvPr id="11" name="Speech Bubble: Rectangle 10">
+          <p:cNvPr id="3" name="Content Placeholder 2">
             <a:extLst>
               <a:ext uri="{FF2B5EF4-FFF2-40B4-BE49-F238E27FC236}">
-                <a16:creationId xmlns:a16="http://schemas.microsoft.com/office/drawing/2014/main" id="{33A16886-DB0D-4279-B6CE-6C8A1249649B}"/>
+                <a16:creationId xmlns:a16="http://schemas.microsoft.com/office/drawing/2014/main" id="{68CB2294-DAA7-4004-8EFD-36F55B70ED9A}"/>
+              </a:ext>
+            </a:extLst>
+          </p:cNvPr>
+          <p:cNvSpPr>
+            <a:spLocks noGrp="1"/>
+          </p:cNvSpPr>
+          <p:nvPr>
+            <p:ph idx="1"/>
+          </p:nvPr>
+        </p:nvSpPr>
+        <p:spPr>
+          <a:xfrm>
+            <a:off x="577381" y="2251187"/>
+            <a:ext cx="4146550" cy="1337294"/>
+          </a:xfrm>
+        </p:spPr>
+        <p:txBody>
+          <a:bodyPr>
+            <a:normAutofit/>
+          </a:bodyPr>
+          <a:lstStyle/>
+          <a:p>
+            <a:pPr marL="0" indent="0">
+              <a:lnSpc>
+                <a:spcPct val="90000"/>
+              </a:lnSpc>
+              <a:buFont typeface="Arial"/>
+              <a:buNone/>
+            </a:pPr>
+            <a:r>
+              <a:rPr lang="en-US" sz="1600" dirty="0" err="1">
+                <a:hlinkClick r:id="rId2"/>
+              </a:rPr>
+              <a:t>pytrends</a:t>
+            </a:r>
+            <a:r>
+              <a:rPr lang="en-US" sz="1600" dirty="0"/>
+              <a:t> - Unofficial API for Google Trends		$pip install </a:t>
+            </a:r>
+            <a:r>
+              <a:rPr lang="en-US" sz="1600" dirty="0" err="1"/>
+              <a:t>pytrends</a:t>
+            </a:r>
+            <a:endParaRPr lang="en-US" sz="1600" dirty="0"/>
+          </a:p>
+          <a:p>
+            <a:pPr marL="0" indent="0">
+              <a:lnSpc>
+                <a:spcPct val="90000"/>
+              </a:lnSpc>
+              <a:buFont typeface="Arial"/>
+              <a:buNone/>
+            </a:pPr>
+            <a:r>
+              <a:rPr lang="en-US" sz="1600" dirty="0"/>
+              <a:t>- Interface for automating downloads of reports from Google Trends</a:t>
+            </a:r>
+          </a:p>
+          <a:p>
+            <a:endParaRPr lang="en-US" sz="1600" dirty="0"/>
+          </a:p>
+        </p:txBody>
+      </p:sp>
+      <p:sp>
+        <p:nvSpPr>
+          <p:cNvPr id="17" name="Arrow: Right 16">
+            <a:extLst>
+              <a:ext uri="{FF2B5EF4-FFF2-40B4-BE49-F238E27FC236}">
+                <a16:creationId xmlns:a16="http://schemas.microsoft.com/office/drawing/2014/main" id="{AD226FA7-6C6A-4DFA-84C0-2E4EB5133A85}"/>
               </a:ext>
             </a:extLst>
           </p:cNvPr>
@@ -5888,9 +6369,381 @@
           <p:nvPr/>
         </p:nvSpPr>
         <p:spPr>
+          <a:xfrm rot="1195432">
+            <a:off x="5708132" y="1649180"/>
+            <a:ext cx="565062" cy="293257"/>
+          </a:xfrm>
+          <a:prstGeom prst="rightArrow">
+            <a:avLst/>
+          </a:prstGeom>
+        </p:spPr>
+        <p:style>
+          <a:lnRef idx="1">
+            <a:schemeClr val="accent1"/>
+          </a:lnRef>
+          <a:fillRef idx="3">
+            <a:schemeClr val="accent1"/>
+          </a:fillRef>
+          <a:effectRef idx="2">
+            <a:schemeClr val="accent1"/>
+          </a:effectRef>
+          <a:fontRef idx="minor">
+            <a:schemeClr val="lt1"/>
+          </a:fontRef>
+        </p:style>
+        <p:txBody>
+          <a:bodyPr rtlCol="0" anchor="ctr"/>
+          <a:lstStyle/>
+          <a:p>
+            <a:pPr algn="ctr"/>
+            <a:endParaRPr lang="en-US"/>
+          </a:p>
+        </p:txBody>
+      </p:sp>
+      <p:sp>
+        <p:nvSpPr>
+          <p:cNvPr id="21" name="Speech Bubble: Rectangle 20">
+            <a:extLst>
+              <a:ext uri="{FF2B5EF4-FFF2-40B4-BE49-F238E27FC236}">
+                <a16:creationId xmlns:a16="http://schemas.microsoft.com/office/drawing/2014/main" id="{96DFCE6E-2ECF-437A-A066-11B2FA473E47}"/>
+              </a:ext>
+            </a:extLst>
+          </p:cNvPr>
+          <p:cNvSpPr/>
+          <p:nvPr/>
+        </p:nvSpPr>
+        <p:spPr>
           <a:xfrm>
-            <a:off x="5111616" y="1111960"/>
-            <a:ext cx="777875" cy="299826"/>
+            <a:off x="3646153" y="3691291"/>
+            <a:ext cx="1398258" cy="451934"/>
+          </a:xfrm>
+          <a:prstGeom prst="wedgeRectCallout">
+            <a:avLst>
+              <a:gd name="adj1" fmla="val 79136"/>
+              <a:gd name="adj2" fmla="val 75947"/>
+            </a:avLst>
+          </a:prstGeom>
+        </p:spPr>
+        <p:style>
+          <a:lnRef idx="1">
+            <a:schemeClr val="dk1"/>
+          </a:lnRef>
+          <a:fillRef idx="2">
+            <a:schemeClr val="dk1"/>
+          </a:fillRef>
+          <a:effectRef idx="1">
+            <a:schemeClr val="dk1"/>
+          </a:effectRef>
+          <a:fontRef idx="minor">
+            <a:schemeClr val="dk1"/>
+          </a:fontRef>
+        </p:style>
+        <p:txBody>
+          <a:bodyPr rtlCol="0" anchor="ctr"/>
+          <a:lstStyle/>
+          <a:p>
+            <a:pPr algn="ctr"/>
+            <a:r>
+              <a:rPr lang="en-US" sz="1000" dirty="0"/>
+              <a:t>Each stock’s CSV data merged with complete CSV dataset</a:t>
+            </a:r>
+          </a:p>
+        </p:txBody>
+      </p:sp>
+      <p:sp>
+        <p:nvSpPr>
+          <p:cNvPr id="23" name="Arrow: Right 22">
+            <a:extLst>
+              <a:ext uri="{FF2B5EF4-FFF2-40B4-BE49-F238E27FC236}">
+                <a16:creationId xmlns:a16="http://schemas.microsoft.com/office/drawing/2014/main" id="{A0CAA4E0-D6BD-4462-9FA9-A2D604A52B25}"/>
+              </a:ext>
+            </a:extLst>
+          </p:cNvPr>
+          <p:cNvSpPr/>
+          <p:nvPr/>
+        </p:nvSpPr>
+        <p:spPr>
+          <a:xfrm rot="5400000">
+            <a:off x="5966426" y="3994272"/>
+            <a:ext cx="269106" cy="293257"/>
+          </a:xfrm>
+          <a:prstGeom prst="rightArrow">
+            <a:avLst/>
+          </a:prstGeom>
+        </p:spPr>
+        <p:style>
+          <a:lnRef idx="1">
+            <a:schemeClr val="accent1"/>
+          </a:lnRef>
+          <a:fillRef idx="3">
+            <a:schemeClr val="accent1"/>
+          </a:fillRef>
+          <a:effectRef idx="2">
+            <a:schemeClr val="accent1"/>
+          </a:effectRef>
+          <a:fontRef idx="minor">
+            <a:schemeClr val="lt1"/>
+          </a:fontRef>
+        </p:style>
+        <p:txBody>
+          <a:bodyPr rtlCol="0" anchor="ctr"/>
+          <a:lstStyle/>
+          <a:p>
+            <a:pPr algn="ctr"/>
+            <a:endParaRPr lang="en-US"/>
+          </a:p>
+        </p:txBody>
+      </p:sp>
+      <p:pic>
+        <p:nvPicPr>
+          <p:cNvPr id="6" name="Picture 5">
+            <a:extLst>
+              <a:ext uri="{FF2B5EF4-FFF2-40B4-BE49-F238E27FC236}">
+                <a16:creationId xmlns:a16="http://schemas.microsoft.com/office/drawing/2014/main" id="{7D0BF0D9-0BF4-45CC-9AA0-AA05C74239C7}"/>
+              </a:ext>
+            </a:extLst>
+          </p:cNvPr>
+          <p:cNvPicPr>
+            <a:picLocks noChangeAspect="1"/>
+          </p:cNvPicPr>
+          <p:nvPr/>
+        </p:nvPicPr>
+        <p:blipFill>
+          <a:blip r:embed="rId3"/>
+          <a:stretch>
+            <a:fillRect/>
+          </a:stretch>
+        </p:blipFill>
+        <p:spPr>
+          <a:xfrm>
+            <a:off x="545188" y="1064433"/>
+            <a:ext cx="2790825" cy="266700"/>
+          </a:xfrm>
+          <a:prstGeom prst="rect">
+            <a:avLst/>
+          </a:prstGeom>
+          <a:ln>
+            <a:noFill/>
+          </a:ln>
+          <a:effectLst>
+            <a:outerShdw blurRad="190500" algn="tl" rotWithShape="0">
+              <a:srgbClr val="000000">
+                <a:alpha val="70000"/>
+              </a:srgbClr>
+            </a:outerShdw>
+          </a:effectLst>
+        </p:spPr>
+      </p:pic>
+      <p:pic>
+        <p:nvPicPr>
+          <p:cNvPr id="9" name="Picture 8">
+            <a:extLst>
+              <a:ext uri="{FF2B5EF4-FFF2-40B4-BE49-F238E27FC236}">
+                <a16:creationId xmlns:a16="http://schemas.microsoft.com/office/drawing/2014/main" id="{9E08612F-D9DD-4238-832F-AD9D8D690569}"/>
+              </a:ext>
+            </a:extLst>
+          </p:cNvPr>
+          <p:cNvPicPr>
+            <a:picLocks noChangeAspect="1"/>
+          </p:cNvPicPr>
+          <p:nvPr/>
+        </p:nvPicPr>
+        <p:blipFill>
+          <a:blip r:embed="rId4"/>
+          <a:stretch>
+            <a:fillRect/>
+          </a:stretch>
+        </p:blipFill>
+        <p:spPr>
+          <a:xfrm>
+            <a:off x="545188" y="1475090"/>
+            <a:ext cx="5227637" cy="469252"/>
+          </a:xfrm>
+          <a:prstGeom prst="rect">
+            <a:avLst/>
+          </a:prstGeom>
+          <a:ln>
+            <a:noFill/>
+          </a:ln>
+          <a:effectLst>
+            <a:outerShdw blurRad="190500" algn="tl" rotWithShape="0">
+              <a:srgbClr val="000000">
+                <a:alpha val="70000"/>
+              </a:srgbClr>
+            </a:outerShdw>
+          </a:effectLst>
+        </p:spPr>
+      </p:pic>
+      <p:pic>
+        <p:nvPicPr>
+          <p:cNvPr id="12" name="Picture 11">
+            <a:extLst>
+              <a:ext uri="{FF2B5EF4-FFF2-40B4-BE49-F238E27FC236}">
+                <a16:creationId xmlns:a16="http://schemas.microsoft.com/office/drawing/2014/main" id="{22192D9F-6971-42A4-9452-03C7D333D617}"/>
+              </a:ext>
+            </a:extLst>
+          </p:cNvPr>
+          <p:cNvPicPr>
+            <a:picLocks noChangeAspect="1"/>
+          </p:cNvPicPr>
+          <p:nvPr/>
+        </p:nvPicPr>
+        <p:blipFill>
+          <a:blip r:embed="rId5"/>
+          <a:stretch>
+            <a:fillRect/>
+          </a:stretch>
+        </p:blipFill>
+        <p:spPr>
+          <a:xfrm>
+            <a:off x="6268183" y="1243713"/>
+            <a:ext cx="1783174" cy="1167630"/>
+          </a:xfrm>
+          <a:prstGeom prst="rect">
+            <a:avLst/>
+          </a:prstGeom>
+          <a:ln>
+            <a:noFill/>
+          </a:ln>
+          <a:effectLst>
+            <a:outerShdw blurRad="190500" algn="tl" rotWithShape="0">
+              <a:srgbClr val="000000">
+                <a:alpha val="70000"/>
+              </a:srgbClr>
+            </a:outerShdw>
+          </a:effectLst>
+        </p:spPr>
+      </p:pic>
+      <p:pic>
+        <p:nvPicPr>
+          <p:cNvPr id="16" name="Picture 15">
+            <a:extLst>
+              <a:ext uri="{FF2B5EF4-FFF2-40B4-BE49-F238E27FC236}">
+                <a16:creationId xmlns:a16="http://schemas.microsoft.com/office/drawing/2014/main" id="{CD74513E-0594-4664-83A3-E0792EB2CBD9}"/>
+              </a:ext>
+            </a:extLst>
+          </p:cNvPr>
+          <p:cNvPicPr>
+            <a:picLocks noChangeAspect="1"/>
+          </p:cNvPicPr>
+          <p:nvPr/>
+        </p:nvPicPr>
+        <p:blipFill>
+          <a:blip r:embed="rId6"/>
+          <a:stretch>
+            <a:fillRect/>
+          </a:stretch>
+        </p:blipFill>
+        <p:spPr>
+          <a:xfrm>
+            <a:off x="5322675" y="2671486"/>
+            <a:ext cx="2143125" cy="1334861"/>
+          </a:xfrm>
+          <a:prstGeom prst="rect">
+            <a:avLst/>
+          </a:prstGeom>
+          <a:ln>
+            <a:noFill/>
+          </a:ln>
+          <a:effectLst>
+            <a:outerShdw blurRad="190500" algn="tl" rotWithShape="0">
+              <a:srgbClr val="000000">
+                <a:alpha val="70000"/>
+              </a:srgbClr>
+            </a:outerShdw>
+          </a:effectLst>
+        </p:spPr>
+      </p:pic>
+      <p:pic>
+        <p:nvPicPr>
+          <p:cNvPr id="24" name="Picture 23">
+            <a:extLst>
+              <a:ext uri="{FF2B5EF4-FFF2-40B4-BE49-F238E27FC236}">
+                <a16:creationId xmlns:a16="http://schemas.microsoft.com/office/drawing/2014/main" id="{437D3942-F6CF-4C2D-980D-EBE5629A2E1C}"/>
+              </a:ext>
+            </a:extLst>
+          </p:cNvPr>
+          <p:cNvPicPr>
+            <a:picLocks noChangeAspect="1"/>
+          </p:cNvPicPr>
+          <p:nvPr/>
+        </p:nvPicPr>
+        <p:blipFill>
+          <a:blip r:embed="rId7"/>
+          <a:stretch>
+            <a:fillRect/>
+          </a:stretch>
+        </p:blipFill>
+        <p:spPr>
+          <a:xfrm>
+            <a:off x="432033" y="4266491"/>
+            <a:ext cx="6653419" cy="269106"/>
+          </a:xfrm>
+          <a:prstGeom prst="rect">
+            <a:avLst/>
+          </a:prstGeom>
+        </p:spPr>
+      </p:pic>
+      <p:sp>
+        <p:nvSpPr>
+          <p:cNvPr id="25" name="Arrow: Right 24">
+            <a:extLst>
+              <a:ext uri="{FF2B5EF4-FFF2-40B4-BE49-F238E27FC236}">
+                <a16:creationId xmlns:a16="http://schemas.microsoft.com/office/drawing/2014/main" id="{ECED4934-94AB-4A34-940C-A165E9E7C3FC}"/>
+              </a:ext>
+            </a:extLst>
+          </p:cNvPr>
+          <p:cNvSpPr/>
+          <p:nvPr/>
+        </p:nvSpPr>
+        <p:spPr>
+          <a:xfrm rot="5400000">
+            <a:off x="6475346" y="2460020"/>
+            <a:ext cx="424297" cy="293257"/>
+          </a:xfrm>
+          <a:prstGeom prst="rightArrow">
+            <a:avLst/>
+          </a:prstGeom>
+        </p:spPr>
+        <p:style>
+          <a:lnRef idx="1">
+            <a:schemeClr val="accent1"/>
+          </a:lnRef>
+          <a:fillRef idx="3">
+            <a:schemeClr val="accent1"/>
+          </a:fillRef>
+          <a:effectRef idx="2">
+            <a:schemeClr val="accent1"/>
+          </a:effectRef>
+          <a:fontRef idx="minor">
+            <a:schemeClr val="lt1"/>
+          </a:fontRef>
+        </p:style>
+        <p:txBody>
+          <a:bodyPr rtlCol="0" anchor="ctr"/>
+          <a:lstStyle/>
+          <a:p>
+            <a:pPr algn="ctr"/>
+            <a:endParaRPr lang="en-US"/>
+          </a:p>
+        </p:txBody>
+      </p:sp>
+      <p:sp>
+        <p:nvSpPr>
+          <p:cNvPr id="22" name="Speech Bubble: Rectangle 21">
+            <a:extLst>
+              <a:ext uri="{FF2B5EF4-FFF2-40B4-BE49-F238E27FC236}">
+                <a16:creationId xmlns:a16="http://schemas.microsoft.com/office/drawing/2014/main" id="{D8CBBEA0-AAF4-401E-900D-36CA96287A44}"/>
+              </a:ext>
+            </a:extLst>
+          </p:cNvPr>
+          <p:cNvSpPr/>
+          <p:nvPr/>
+        </p:nvSpPr>
+        <p:spPr>
+          <a:xfrm>
+            <a:off x="7640009" y="2915246"/>
+            <a:ext cx="786954" cy="299826"/>
           </a:xfrm>
           <a:prstGeom prst="wedgeRectCallout">
             <a:avLst>
@@ -5920,111 +6773,65 @@
             <a:pPr algn="ctr"/>
             <a:r>
               <a:rPr lang="en-US" sz="1000" dirty="0"/>
-              <a:t>Dataset Identifier</a:t>
-            </a:r>
-          </a:p>
-        </p:txBody>
-      </p:sp>
-      <p:sp>
-        <p:nvSpPr>
-          <p:cNvPr id="9" name="TextBox 8">
+              <a:t>Required Fields</a:t>
+            </a:r>
+          </a:p>
+        </p:txBody>
+      </p:sp>
+      <p:sp>
+        <p:nvSpPr>
+          <p:cNvPr id="11" name="Speech Bubble: Rectangle 10">
             <a:extLst>
               <a:ext uri="{FF2B5EF4-FFF2-40B4-BE49-F238E27FC236}">
-                <a16:creationId xmlns:a16="http://schemas.microsoft.com/office/drawing/2014/main" id="{2379F161-41EA-4C06-BA6E-B50D2769C2F8}"/>
+                <a16:creationId xmlns:a16="http://schemas.microsoft.com/office/drawing/2014/main" id="{33A16886-DB0D-4279-B6CE-6C8A1249649B}"/>
               </a:ext>
             </a:extLst>
           </p:cNvPr>
-          <p:cNvSpPr txBox="1"/>
+          <p:cNvSpPr/>
           <p:nvPr/>
         </p:nvSpPr>
         <p:spPr>
           <a:xfrm>
-            <a:off x="635000" y="1111960"/>
-            <a:ext cx="4476616" cy="246221"/>
+            <a:off x="4394200" y="1089666"/>
+            <a:ext cx="1560149" cy="299826"/>
           </a:xfrm>
-          <a:prstGeom prst="rect">
-            <a:avLst/>
+          <a:prstGeom prst="wedgeRectCallout">
+            <a:avLst>
+              <a:gd name="adj1" fmla="val -60611"/>
+              <a:gd name="adj2" fmla="val 111951"/>
+            </a:avLst>
           </a:prstGeom>
-          <a:noFill/>
-          <a:effectLst>
-            <a:outerShdw blurRad="50800" dist="38100" dir="2700000" algn="tl" rotWithShape="0">
-              <a:prstClr val="black">
-                <a:alpha val="40000"/>
-              </a:prstClr>
-            </a:outerShdw>
-          </a:effectLst>
         </p:spPr>
-        <p:txBody>
-          <a:bodyPr wrap="square">
-            <a:spAutoFit/>
-          </a:bodyPr>
+        <p:style>
+          <a:lnRef idx="1">
+            <a:schemeClr val="dk1"/>
+          </a:lnRef>
+          <a:fillRef idx="2">
+            <a:schemeClr val="dk1"/>
+          </a:fillRef>
+          <a:effectRef idx="1">
+            <a:schemeClr val="dk1"/>
+          </a:effectRef>
+          <a:fontRef idx="minor">
+            <a:schemeClr val="dk1"/>
+          </a:fontRef>
+        </p:style>
+        <p:txBody>
+          <a:bodyPr rtlCol="0" anchor="ctr"/>
           <a:lstStyle/>
           <a:p>
-            <a:r>
-              <a:rPr lang="en-US" sz="1000" dirty="0">
-                <a:highlight>
-                  <a:srgbClr val="C0C0C0"/>
-                </a:highlight>
-              </a:rPr>
-              <a:t>https://data.cityofchicago.org/</a:t>
-            </a:r>
-            <a:r>
-              <a:rPr lang="en-US" sz="1000" dirty="0">
-                <a:highlight>
-                  <a:srgbClr val="C0C0C0"/>
-                </a:highlight>
-                <a:hlinkClick r:id="rId2"/>
-              </a:rPr>
-              <a:t>Public-Safety</a:t>
-            </a:r>
-            <a:r>
-              <a:rPr lang="en-US" sz="1000" dirty="0">
-                <a:highlight>
-                  <a:srgbClr val="C0C0C0"/>
-                </a:highlight>
-              </a:rPr>
-              <a:t>/Crimes-2001-to-Present/</a:t>
-            </a:r>
-            <a:r>
-              <a:rPr lang="en-US" sz="1000" dirty="0">
-                <a:highlight>
-                  <a:srgbClr val="FFFF00"/>
-                </a:highlight>
-              </a:rPr>
-              <a:t>ijzp-q8t2</a:t>
-            </a:r>
-          </a:p>
-        </p:txBody>
-      </p:sp>
-      <p:sp>
-        <p:nvSpPr>
-          <p:cNvPr id="3" name="Content Placeholder 2">
-            <a:extLst>
-              <a:ext uri="{FF2B5EF4-FFF2-40B4-BE49-F238E27FC236}">
-                <a16:creationId xmlns:a16="http://schemas.microsoft.com/office/drawing/2014/main" id="{68CB2294-DAA7-4004-8EFD-36F55B70ED9A}"/>
-              </a:ext>
-            </a:extLst>
-          </p:cNvPr>
-          <p:cNvSpPr>
-            <a:spLocks noGrp="1"/>
-          </p:cNvSpPr>
-          <p:nvPr>
-            <p:ph idx="1"/>
-          </p:nvPr>
-        </p:nvSpPr>
-        <p:spPr/>
-        <p:txBody>
-          <a:bodyPr/>
-          <a:lstStyle/>
-          <a:p>
-            <a:endParaRPr lang="en-US" dirty="0"/>
+            <a:pPr algn="ctr"/>
+            <a:r>
+              <a:rPr lang="en-US" sz="1000" dirty="0"/>
+              <a:t>Import Daily Trend of key word (stock/ticker)</a:t>
+            </a:r>
           </a:p>
         </p:txBody>
       </p:sp>
     </p:spTree>
     <p:extLst>
       <p:ext uri="{BB962C8B-B14F-4D97-AF65-F5344CB8AC3E}">
-        <p14:creationId xmlns:p14="http://schemas.microsoft.com/office/powerpoint/2010/main" val="1233475969"/>
+        <p14:creationId xmlns:p14="http://schemas.microsoft.com/office/powerpoint/2010/main" val="375635131"/>
       </p:ext>
     </p:extLst>
   </p:cSld>
@@ -6056,7 +6863,7 @@
           <p:cNvPr id="5" name="Title 4">
             <a:extLst>
               <a:ext uri="{FF2B5EF4-FFF2-40B4-BE49-F238E27FC236}">
-                <a16:creationId xmlns:a16="http://schemas.microsoft.com/office/drawing/2014/main" id="{6229D272-CD8F-44E9-8790-217BC2FFC777}"/>
+                <a16:creationId xmlns:a16="http://schemas.microsoft.com/office/drawing/2014/main" id="{D4296CC1-D52C-4736-AB4E-1D2D2C75C616}"/>
               </a:ext>
             </a:extLst>
           </p:cNvPr>
@@ -6074,45 +6881,14 @@
           <a:p>
             <a:r>
               <a:rPr lang="en-US" dirty="0"/>
-              <a:t>Results &amp; Analysis</a:t>
-            </a:r>
-          </a:p>
-        </p:txBody>
-      </p:sp>
-      <p:sp>
-        <p:nvSpPr>
-          <p:cNvPr id="6" name="Text Placeholder 5">
-            <a:extLst>
-              <a:ext uri="{FF2B5EF4-FFF2-40B4-BE49-F238E27FC236}">
-                <a16:creationId xmlns:a16="http://schemas.microsoft.com/office/drawing/2014/main" id="{D7DC2AC3-222C-406D-B69B-1802F4ED9C1B}"/>
-              </a:ext>
-            </a:extLst>
-          </p:cNvPr>
-          <p:cNvSpPr>
-            <a:spLocks noGrp="1"/>
-          </p:cNvSpPr>
-          <p:nvPr>
-            <p:ph type="body" idx="1"/>
-          </p:nvPr>
-        </p:nvSpPr>
-        <p:spPr/>
-        <p:txBody>
-          <a:bodyPr/>
-          <a:lstStyle/>
-          <a:p>
-            <a:endParaRPr lang="en-US" dirty="0"/>
-          </a:p>
-        </p:txBody>
-      </p:sp>
-      <p:sp>
-        <p:nvSpPr>
-          <p:cNvPr id="4" name="Slide Number Placeholder 3">
-            <a:extLst>
-              <a:ext uri="{FF2B5EF4-FFF2-40B4-BE49-F238E27FC236}">
-                <a16:creationId xmlns:a16="http://schemas.microsoft.com/office/drawing/2014/main" id="{8A126BAB-AD9D-4CD8-A7EA-15B31EA7F368}"/>
-              </a:ext>
-            </a:extLst>
-          </p:cNvPr>
+              <a:t>Merging Stocks &amp; Trend Data</a:t>
+            </a:r>
+          </a:p>
+        </p:txBody>
+      </p:sp>
+      <p:sp>
+        <p:nvSpPr>
+          <p:cNvPr id="4" name="Slide Number Placeholder 3"/>
           <p:cNvSpPr>
             <a:spLocks noGrp="1"/>
           </p:cNvSpPr>
@@ -6130,14 +6906,231 @@
               <a:pPr/>
               <a:t>5</a:t>
             </a:fld>
-            <a:endParaRPr lang="en-US"/>
-          </a:p>
-        </p:txBody>
-      </p:sp>
+            <a:endParaRPr lang="en-US" dirty="0"/>
+          </a:p>
+        </p:txBody>
+      </p:sp>
+      <p:sp>
+        <p:nvSpPr>
+          <p:cNvPr id="3" name="Content Placeholder 2">
+            <a:extLst>
+              <a:ext uri="{FF2B5EF4-FFF2-40B4-BE49-F238E27FC236}">
+                <a16:creationId xmlns:a16="http://schemas.microsoft.com/office/drawing/2014/main" id="{68CB2294-DAA7-4004-8EFD-36F55B70ED9A}"/>
+              </a:ext>
+            </a:extLst>
+          </p:cNvPr>
+          <p:cNvSpPr>
+            <a:spLocks noGrp="1"/>
+          </p:cNvSpPr>
+          <p:nvPr>
+            <p:ph idx="1"/>
+          </p:nvPr>
+        </p:nvSpPr>
+        <p:spPr>
+          <a:xfrm>
+            <a:off x="4838700" y="1198832"/>
+            <a:ext cx="3454400" cy="1013671"/>
+          </a:xfrm>
+        </p:spPr>
+        <p:txBody>
+          <a:bodyPr>
+            <a:normAutofit fontScale="92500" lnSpcReduction="20000"/>
+          </a:bodyPr>
+          <a:lstStyle/>
+          <a:p>
+            <a:r>
+              <a:rPr lang="en-US" sz="1600" dirty="0"/>
+              <a:t>Incoming dates are transformed, or Yearly/Weekly grains added to conform the time frequency to its lowest-time grain across both sources – weekly.</a:t>
+            </a:r>
+          </a:p>
+          <a:p>
+            <a:endParaRPr lang="en-US" sz="1600" dirty="0"/>
+          </a:p>
+        </p:txBody>
+      </p:sp>
+      <p:sp>
+        <p:nvSpPr>
+          <p:cNvPr id="21" name="Speech Bubble: Rectangle 20">
+            <a:extLst>
+              <a:ext uri="{FF2B5EF4-FFF2-40B4-BE49-F238E27FC236}">
+                <a16:creationId xmlns:a16="http://schemas.microsoft.com/office/drawing/2014/main" id="{96DFCE6E-2ECF-437A-A066-11B2FA473E47}"/>
+              </a:ext>
+            </a:extLst>
+          </p:cNvPr>
+          <p:cNvSpPr/>
+          <p:nvPr/>
+        </p:nvSpPr>
+        <p:spPr>
+          <a:xfrm>
+            <a:off x="3613919" y="3175943"/>
+            <a:ext cx="1398258" cy="451934"/>
+          </a:xfrm>
+          <a:prstGeom prst="wedgeRectCallout">
+            <a:avLst>
+              <a:gd name="adj1" fmla="val 24640"/>
+              <a:gd name="adj2" fmla="val 85782"/>
+            </a:avLst>
+          </a:prstGeom>
+        </p:spPr>
+        <p:style>
+          <a:lnRef idx="1">
+            <a:schemeClr val="dk1"/>
+          </a:lnRef>
+          <a:fillRef idx="2">
+            <a:schemeClr val="dk1"/>
+          </a:fillRef>
+          <a:effectRef idx="1">
+            <a:schemeClr val="dk1"/>
+          </a:effectRef>
+          <a:fontRef idx="minor">
+            <a:schemeClr val="dk1"/>
+          </a:fontRef>
+        </p:style>
+        <p:txBody>
+          <a:bodyPr rtlCol="0" anchor="ctr"/>
+          <a:lstStyle/>
+          <a:p>
+            <a:pPr algn="ctr"/>
+            <a:r>
+              <a:rPr lang="en-US" sz="1000" dirty="0"/>
+              <a:t>Stock CSV and Trend CSV data is merged to a single dataset</a:t>
+            </a:r>
+          </a:p>
+        </p:txBody>
+      </p:sp>
+      <p:pic>
+        <p:nvPicPr>
+          <p:cNvPr id="7" name="Picture 6">
+            <a:extLst>
+              <a:ext uri="{FF2B5EF4-FFF2-40B4-BE49-F238E27FC236}">
+                <a16:creationId xmlns:a16="http://schemas.microsoft.com/office/drawing/2014/main" id="{DF8BAE08-B392-4E44-A00F-874B510E7DCA}"/>
+              </a:ext>
+            </a:extLst>
+          </p:cNvPr>
+          <p:cNvPicPr>
+            <a:picLocks noChangeAspect="1"/>
+          </p:cNvPicPr>
+          <p:nvPr/>
+        </p:nvPicPr>
+        <p:blipFill>
+          <a:blip r:embed="rId2"/>
+          <a:stretch>
+            <a:fillRect/>
+          </a:stretch>
+        </p:blipFill>
+        <p:spPr>
+          <a:xfrm>
+            <a:off x="294640" y="1063230"/>
+            <a:ext cx="4317312" cy="1749820"/>
+          </a:xfrm>
+          <a:prstGeom prst="rect">
+            <a:avLst/>
+          </a:prstGeom>
+          <a:ln>
+            <a:noFill/>
+          </a:ln>
+          <a:effectLst>
+            <a:outerShdw blurRad="190500" algn="tl" rotWithShape="0">
+              <a:srgbClr val="000000">
+                <a:alpha val="70000"/>
+              </a:srgbClr>
+            </a:outerShdw>
+          </a:effectLst>
+        </p:spPr>
+      </p:pic>
+      <p:sp>
+        <p:nvSpPr>
+          <p:cNvPr id="20" name="Speech Bubble: Rectangle 19">
+            <a:extLst>
+              <a:ext uri="{FF2B5EF4-FFF2-40B4-BE49-F238E27FC236}">
+                <a16:creationId xmlns:a16="http://schemas.microsoft.com/office/drawing/2014/main" id="{DF67AC7C-1856-41A1-B123-48DF0E93AB70}"/>
+              </a:ext>
+            </a:extLst>
+          </p:cNvPr>
+          <p:cNvSpPr/>
+          <p:nvPr/>
+        </p:nvSpPr>
+        <p:spPr>
+          <a:xfrm>
+            <a:off x="667518" y="3001935"/>
+            <a:ext cx="1624831" cy="451934"/>
+          </a:xfrm>
+          <a:prstGeom prst="wedgeRectCallout">
+            <a:avLst>
+              <a:gd name="adj1" fmla="val 20392"/>
+              <a:gd name="adj2" fmla="val -95472"/>
+            </a:avLst>
+          </a:prstGeom>
+        </p:spPr>
+        <p:style>
+          <a:lnRef idx="1">
+            <a:schemeClr val="dk1"/>
+          </a:lnRef>
+          <a:fillRef idx="2">
+            <a:schemeClr val="dk1"/>
+          </a:fillRef>
+          <a:effectRef idx="1">
+            <a:schemeClr val="dk1"/>
+          </a:effectRef>
+          <a:fontRef idx="minor">
+            <a:schemeClr val="dk1"/>
+          </a:fontRef>
+        </p:style>
+        <p:txBody>
+          <a:bodyPr rtlCol="0" anchor="ctr"/>
+          <a:lstStyle/>
+          <a:p>
+            <a:r>
+              <a:rPr lang="en-US" sz="1000" dirty="0"/>
+              <a:t>Weekly grain converted to ISO, Monday start of week </a:t>
+            </a:r>
+          </a:p>
+        </p:txBody>
+      </p:sp>
+      <p:pic>
+        <p:nvPicPr>
+          <p:cNvPr id="14" name="Picture 13">
+            <a:extLst>
+              <a:ext uri="{FF2B5EF4-FFF2-40B4-BE49-F238E27FC236}">
+                <a16:creationId xmlns:a16="http://schemas.microsoft.com/office/drawing/2014/main" id="{5976E6D0-7B12-4B64-9BC9-A06643D4541B}"/>
+              </a:ext>
+            </a:extLst>
+          </p:cNvPr>
+          <p:cNvPicPr>
+            <a:picLocks noChangeAspect="1"/>
+          </p:cNvPicPr>
+          <p:nvPr/>
+        </p:nvPicPr>
+        <p:blipFill>
+          <a:blip r:embed="rId3"/>
+          <a:stretch>
+            <a:fillRect/>
+          </a:stretch>
+        </p:blipFill>
+        <p:spPr>
+          <a:xfrm>
+            <a:off x="294640" y="3776490"/>
+            <a:ext cx="8559800" cy="390125"/>
+          </a:xfrm>
+          <a:prstGeom prst="rect">
+            <a:avLst/>
+          </a:prstGeom>
+          <a:ln>
+            <a:noFill/>
+          </a:ln>
+          <a:effectLst>
+            <a:outerShdw blurRad="190500" algn="tl" rotWithShape="0">
+              <a:srgbClr val="000000">
+                <a:alpha val="70000"/>
+              </a:srgbClr>
+            </a:outerShdw>
+          </a:effectLst>
+        </p:spPr>
+      </p:pic>
     </p:spTree>
     <p:extLst>
       <p:ext uri="{BB962C8B-B14F-4D97-AF65-F5344CB8AC3E}">
-        <p14:creationId xmlns:p14="http://schemas.microsoft.com/office/powerpoint/2010/main" val="2347461722"/>
+        <p14:creationId xmlns:p14="http://schemas.microsoft.com/office/powerpoint/2010/main" val="3322100970"/>
       </p:ext>
     </p:extLst>
   </p:cSld>
@@ -6187,7 +7180,7 @@
           <a:p>
             <a:r>
               <a:rPr lang="en-US" dirty="0"/>
-              <a:t>Opportunities</a:t>
+              <a:t>Results &amp; Analysis</a:t>
             </a:r>
           </a:p>
         </p:txBody>
@@ -6250,7 +7243,7 @@
     </p:spTree>
     <p:extLst>
       <p:ext uri="{BB962C8B-B14F-4D97-AF65-F5344CB8AC3E}">
-        <p14:creationId xmlns:p14="http://schemas.microsoft.com/office/powerpoint/2010/main" val="208967562"/>
+        <p14:creationId xmlns:p14="http://schemas.microsoft.com/office/powerpoint/2010/main" val="2347461722"/>
       </p:ext>
     </p:extLst>
   </p:cSld>

--- a/NU-Project2_Stocks.pptx
+++ b/NU-Project2_Stocks.pptx
@@ -5,10 +5,10 @@
     <p:sldMasterId id="2147483648" r:id="rId1"/>
   </p:sldMasterIdLst>
   <p:notesMasterIdLst>
-    <p:notesMasterId r:id="rId11"/>
+    <p:notesMasterId r:id="rId12"/>
   </p:notesMasterIdLst>
   <p:handoutMasterIdLst>
-    <p:handoutMasterId r:id="rId12"/>
+    <p:handoutMasterId r:id="rId13"/>
   </p:handoutMasterIdLst>
   <p:sldIdLst>
     <p:sldId id="256" r:id="rId2"/>
@@ -16,10 +16,11 @@
     <p:sldId id="262" r:id="rId4"/>
     <p:sldId id="276" r:id="rId5"/>
     <p:sldId id="300" r:id="rId6"/>
-    <p:sldId id="301" r:id="rId7"/>
-    <p:sldId id="294" r:id="rId8"/>
-    <p:sldId id="266" r:id="rId9"/>
-    <p:sldId id="296" r:id="rId10"/>
+    <p:sldId id="302" r:id="rId7"/>
+    <p:sldId id="301" r:id="rId8"/>
+    <p:sldId id="294" r:id="rId9"/>
+    <p:sldId id="266" r:id="rId10"/>
+    <p:sldId id="296" r:id="rId11"/>
   </p:sldIdLst>
   <p:sldSz cx="9144000" cy="5143500" type="screen16x9"/>
   <p:notesSz cx="6858000" cy="9144000"/>
@@ -128,6 +129,7 @@
             <p14:sldId id="262"/>
             <p14:sldId id="276"/>
             <p14:sldId id="300"/>
+            <p14:sldId id="302"/>
             <p14:sldId id="301"/>
             <p14:sldId id="294"/>
             <p14:sldId id="266"/>
@@ -4350,6 +4352,119 @@
 </p:sld>
 </file>
 
+<file path=ppt/slides/slide10.xml><?xml version="1.0" encoding="utf-8"?>
+<p:sld xmlns:a="http://schemas.openxmlformats.org/drawingml/2006/main" xmlns:r="http://schemas.openxmlformats.org/officeDocument/2006/relationships" xmlns:p="http://schemas.openxmlformats.org/presentationml/2006/main">
+  <p:cSld>
+    <p:spTree>
+      <p:nvGrpSpPr>
+        <p:cNvPr id="1" name=""/>
+        <p:cNvGrpSpPr/>
+        <p:nvPr/>
+      </p:nvGrpSpPr>
+      <p:grpSpPr>
+        <a:xfrm>
+          <a:off x="0" y="0"/>
+          <a:ext cx="0" cy="0"/>
+          <a:chOff x="0" y="0"/>
+          <a:chExt cx="0" cy="0"/>
+        </a:xfrm>
+      </p:grpSpPr>
+      <p:sp>
+        <p:nvSpPr>
+          <p:cNvPr id="5" name="Title 4">
+            <a:extLst>
+              <a:ext uri="{FF2B5EF4-FFF2-40B4-BE49-F238E27FC236}">
+                <a16:creationId xmlns:a16="http://schemas.microsoft.com/office/drawing/2014/main" id="{6229D272-CD8F-44E9-8790-217BC2FFC777}"/>
+              </a:ext>
+            </a:extLst>
+          </p:cNvPr>
+          <p:cNvSpPr>
+            <a:spLocks noGrp="1"/>
+          </p:cNvSpPr>
+          <p:nvPr>
+            <p:ph type="title"/>
+          </p:nvPr>
+        </p:nvSpPr>
+        <p:spPr/>
+        <p:txBody>
+          <a:bodyPr/>
+          <a:lstStyle/>
+          <a:p>
+            <a:r>
+              <a:rPr lang="en-US" dirty="0"/>
+              <a:t>Questions?</a:t>
+            </a:r>
+          </a:p>
+        </p:txBody>
+      </p:sp>
+      <p:sp>
+        <p:nvSpPr>
+          <p:cNvPr id="6" name="Text Placeholder 5">
+            <a:extLst>
+              <a:ext uri="{FF2B5EF4-FFF2-40B4-BE49-F238E27FC236}">
+                <a16:creationId xmlns:a16="http://schemas.microsoft.com/office/drawing/2014/main" id="{D7DC2AC3-222C-406D-B69B-1802F4ED9C1B}"/>
+              </a:ext>
+            </a:extLst>
+          </p:cNvPr>
+          <p:cNvSpPr>
+            <a:spLocks noGrp="1"/>
+          </p:cNvSpPr>
+          <p:nvPr>
+            <p:ph type="body" idx="1"/>
+          </p:nvPr>
+        </p:nvSpPr>
+        <p:spPr/>
+        <p:txBody>
+          <a:bodyPr/>
+          <a:lstStyle/>
+          <a:p>
+            <a:endParaRPr lang="en-US" dirty="0"/>
+          </a:p>
+        </p:txBody>
+      </p:sp>
+      <p:sp>
+        <p:nvSpPr>
+          <p:cNvPr id="4" name="Slide Number Placeholder 3">
+            <a:extLst>
+              <a:ext uri="{FF2B5EF4-FFF2-40B4-BE49-F238E27FC236}">
+                <a16:creationId xmlns:a16="http://schemas.microsoft.com/office/drawing/2014/main" id="{8A126BAB-AD9D-4CD8-A7EA-15B31EA7F368}"/>
+              </a:ext>
+            </a:extLst>
+          </p:cNvPr>
+          <p:cNvSpPr>
+            <a:spLocks noGrp="1"/>
+          </p:cNvSpPr>
+          <p:nvPr>
+            <p:ph type="sldNum" sz="quarter" idx="12"/>
+          </p:nvPr>
+        </p:nvSpPr>
+        <p:spPr/>
+        <p:txBody>
+          <a:bodyPr/>
+          <a:lstStyle/>
+          <a:p>
+            <a:fld id="{106E12CD-FCB1-464E-A775-0B83FDDACE03}" type="slidenum">
+              <a:rPr lang="en-US" smtClean="0"/>
+              <a:pPr/>
+              <a:t>9</a:t>
+            </a:fld>
+            <a:endParaRPr lang="en-US"/>
+          </a:p>
+        </p:txBody>
+      </p:sp>
+    </p:spTree>
+    <p:extLst>
+      <p:ext uri="{BB962C8B-B14F-4D97-AF65-F5344CB8AC3E}">
+        <p14:creationId xmlns:p14="http://schemas.microsoft.com/office/powerpoint/2010/main" val="1876129600"/>
+      </p:ext>
+    </p:extLst>
+  </p:cSld>
+  <p:clrMapOvr>
+    <a:masterClrMapping/>
+  </p:clrMapOvr>
+</p:sld>
+</file>
+
 <file path=ppt/slides/slide2.xml><?xml version="1.0" encoding="utf-8"?>
 <p:sld xmlns:a="http://schemas.openxmlformats.org/drawingml/2006/main" xmlns:r="http://schemas.openxmlformats.org/officeDocument/2006/relationships" xmlns:p="http://schemas.openxmlformats.org/presentationml/2006/main">
   <p:cSld>
@@ -5073,7 +5188,7 @@
         <p:spPr>
           <a:xfrm>
             <a:off x="495300" y="2598538"/>
-            <a:ext cx="4040188" cy="1797845"/>
+            <a:ext cx="4040188" cy="2017912"/>
           </a:xfrm>
           <a:prstGeom prst="rect">
             <a:avLst/>
@@ -5313,7 +5428,20 @@
               <a:buFont typeface="Arial"/>
               <a:buNone/>
             </a:pPr>
-            <a:endParaRPr lang="en-US" sz="1100" dirty="0"/>
+            <a:r>
+              <a:rPr lang="en-US" sz="1100" dirty="0"/>
+              <a:t>	</a:t>
+            </a:r>
+            <a:r>
+              <a:rPr lang="en-US" sz="1100" dirty="0" err="1">
+                <a:hlinkClick r:id="rId5"/>
+              </a:rPr>
+              <a:t>Twint</a:t>
+            </a:r>
+            <a:r>
+              <a:rPr lang="en-US" sz="1100" dirty="0"/>
+              <a:t> – Tweet data feed for Twitter </a:t>
+            </a:r>
           </a:p>
           <a:p>
             <a:pPr marL="0" indent="0">
@@ -5323,10 +5451,7 @@
               <a:buFont typeface="Arial"/>
               <a:buNone/>
             </a:pPr>
-            <a:r>
-              <a:rPr lang="en-US" sz="1100" dirty="0"/>
-              <a:t>Other Products Investigated:</a:t>
-            </a:r>
+            <a:endParaRPr lang="en-US" sz="1100" dirty="0"/>
           </a:p>
           <a:p>
             <a:pPr marL="0" indent="0">
@@ -5338,15 +5463,8 @@
             </a:pPr>
             <a:r>
               <a:rPr lang="en-US" sz="1100" dirty="0"/>
-              <a:t>	</a:t>
-            </a:r>
-            <a:r>
-              <a:rPr lang="en-US" sz="1100" dirty="0">
-                <a:hlinkClick r:id="rId5"/>
-              </a:rPr>
-              <a:t>Mentions.com</a:t>
-            </a:r>
-            <a:endParaRPr lang="en-US" sz="1100" dirty="0"/>
+              <a:t>Other Products Investigated:</a:t>
+            </a:r>
           </a:p>
           <a:p>
             <a:pPr marL="0" indent="0">
@@ -5364,7 +5482,55 @@
               <a:rPr lang="en-US" sz="1100" dirty="0">
                 <a:hlinkClick r:id="rId6"/>
               </a:rPr>
-              <a:t>Keyhold.co</a:t>
+              <a:t>Mentions.com</a:t>
+            </a:r>
+            <a:r>
+              <a:rPr lang="en-US" sz="1100" dirty="0"/>
+              <a:t> - popular, more for visualization</a:t>
+            </a:r>
+          </a:p>
+          <a:p>
+            <a:pPr marL="0" indent="0">
+              <a:lnSpc>
+                <a:spcPct val="90000"/>
+              </a:lnSpc>
+              <a:buFont typeface="Arial"/>
+              <a:buNone/>
+            </a:pPr>
+            <a:r>
+              <a:rPr lang="en-US" sz="1100" dirty="0"/>
+              <a:t>	</a:t>
+            </a:r>
+            <a:r>
+              <a:rPr lang="en-US" sz="1100" dirty="0">
+                <a:hlinkClick r:id="rId7"/>
+              </a:rPr>
+              <a:t>Keyhole.co</a:t>
+            </a:r>
+            <a:r>
+              <a:rPr lang="en-US" sz="1100" dirty="0"/>
+              <a:t> – does have API, but cost $ </a:t>
+            </a:r>
+            <a:r>
+              <a:rPr lang="en-US" sz="1100" dirty="0">
+                <a:sym typeface="Wingdings" panose="05000000000000000000" pitchFamily="2" charset="2"/>
+              </a:rPr>
+              <a:t></a:t>
+            </a:r>
+          </a:p>
+          <a:p>
+            <a:pPr marL="0" indent="0">
+              <a:lnSpc>
+                <a:spcPct val="90000"/>
+              </a:lnSpc>
+              <a:buFont typeface="Arial"/>
+              <a:buNone/>
+            </a:pPr>
+            <a:r>
+              <a:rPr lang="en-US" sz="1100" dirty="0">
+                <a:sym typeface="Wingdings" panose="05000000000000000000" pitchFamily="2" charset="2"/>
+              </a:rPr>
+              <a:t>	</a:t>
             </a:r>
             <a:endParaRPr lang="en-US" sz="1100" dirty="0"/>
           </a:p>
@@ -5565,6 +5731,46 @@
           </a:p>
         </p:txBody>
       </p:sp>
+      <p:pic>
+        <p:nvPicPr>
+          <p:cNvPr id="6" name="Picture 5">
+            <a:extLst>
+              <a:ext uri="{FF2B5EF4-FFF2-40B4-BE49-F238E27FC236}">
+                <a16:creationId xmlns:a16="http://schemas.microsoft.com/office/drawing/2014/main" id="{55CA042D-4A69-4EB9-B242-8EB2B3EDC5AC}"/>
+              </a:ext>
+            </a:extLst>
+          </p:cNvPr>
+          <p:cNvPicPr>
+            <a:picLocks noChangeAspect="1"/>
+          </p:cNvPicPr>
+          <p:nvPr/>
+        </p:nvPicPr>
+        <p:blipFill>
+          <a:blip r:embed="rId8"/>
+          <a:stretch>
+            <a:fillRect/>
+          </a:stretch>
+        </p:blipFill>
+        <p:spPr>
+          <a:xfrm>
+            <a:off x="1841367" y="2598538"/>
+            <a:ext cx="847857" cy="323850"/>
+          </a:xfrm>
+          <a:prstGeom prst="rect">
+            <a:avLst/>
+          </a:prstGeom>
+          <a:ln>
+            <a:noFill/>
+          </a:ln>
+          <a:effectLst>
+            <a:outerShdw blurRad="190500" algn="tl" rotWithShape="0">
+              <a:srgbClr val="000000">
+                <a:alpha val="70000"/>
+              </a:srgbClr>
+            </a:outerShdw>
+          </a:effectLst>
+        </p:spPr>
+      </p:pic>
     </p:spTree>
     <p:extLst>
       <p:ext uri="{BB962C8B-B14F-4D97-AF65-F5344CB8AC3E}">
@@ -6003,8 +6209,8 @@
         </p:blipFill>
         <p:spPr>
           <a:xfrm>
-            <a:off x="984250" y="1126521"/>
-            <a:ext cx="3835400" cy="460583"/>
+            <a:off x="1092163" y="1267267"/>
+            <a:ext cx="3705958" cy="445039"/>
           </a:xfrm>
           <a:prstGeom prst="rect">
             <a:avLst/>
@@ -6205,6 +6411,86 @@
           </a:p>
         </p:txBody>
       </p:sp>
+      <p:pic>
+        <p:nvPicPr>
+          <p:cNvPr id="9" name="Picture 8">
+            <a:extLst>
+              <a:ext uri="{FF2B5EF4-FFF2-40B4-BE49-F238E27FC236}">
+                <a16:creationId xmlns:a16="http://schemas.microsoft.com/office/drawing/2014/main" id="{555CBC45-8EE9-4047-803C-306CA9C6DF20}"/>
+              </a:ext>
+            </a:extLst>
+          </p:cNvPr>
+          <p:cNvPicPr>
+            <a:picLocks noChangeAspect="1"/>
+          </p:cNvPicPr>
+          <p:nvPr/>
+        </p:nvPicPr>
+        <p:blipFill>
+          <a:blip r:embed="rId7"/>
+          <a:stretch>
+            <a:fillRect/>
+          </a:stretch>
+        </p:blipFill>
+        <p:spPr>
+          <a:xfrm>
+            <a:off x="6653310" y="174589"/>
+            <a:ext cx="2297840" cy="947815"/>
+          </a:xfrm>
+          <a:prstGeom prst="rect">
+            <a:avLst/>
+          </a:prstGeom>
+          <a:ln>
+            <a:noFill/>
+          </a:ln>
+          <a:effectLst>
+            <a:outerShdw blurRad="190500" algn="tl" rotWithShape="0">
+              <a:srgbClr val="000000">
+                <a:alpha val="70000"/>
+              </a:srgbClr>
+            </a:outerShdw>
+          </a:effectLst>
+        </p:spPr>
+      </p:pic>
+      <p:pic>
+        <p:nvPicPr>
+          <p:cNvPr id="12" name="Picture 11">
+            <a:extLst>
+              <a:ext uri="{FF2B5EF4-FFF2-40B4-BE49-F238E27FC236}">
+                <a16:creationId xmlns:a16="http://schemas.microsoft.com/office/drawing/2014/main" id="{DEDAA8D6-0FF0-4F13-9E5F-6168A7B5C467}"/>
+              </a:ext>
+            </a:extLst>
+          </p:cNvPr>
+          <p:cNvPicPr>
+            <a:picLocks noChangeAspect="1"/>
+          </p:cNvPicPr>
+          <p:nvPr/>
+        </p:nvPicPr>
+        <p:blipFill>
+          <a:blip r:embed="rId8"/>
+          <a:stretch>
+            <a:fillRect/>
+          </a:stretch>
+        </p:blipFill>
+        <p:spPr>
+          <a:xfrm>
+            <a:off x="411605" y="1525365"/>
+            <a:ext cx="469464" cy="179318"/>
+          </a:xfrm>
+          <a:prstGeom prst="rect">
+            <a:avLst/>
+          </a:prstGeom>
+          <a:ln>
+            <a:noFill/>
+          </a:ln>
+          <a:effectLst>
+            <a:outerShdw blurRad="190500" algn="tl" rotWithShape="0">
+              <a:srgbClr val="000000">
+                <a:alpha val="70000"/>
+              </a:srgbClr>
+            </a:outerShdw>
+          </a:effectLst>
+        </p:spPr>
+      </p:pic>
     </p:spTree>
     <p:extLst>
       <p:ext uri="{BB962C8B-B14F-4D97-AF65-F5344CB8AC3E}">
@@ -6828,6 +7114,46 @@
           </a:p>
         </p:txBody>
       </p:sp>
+      <p:pic>
+        <p:nvPicPr>
+          <p:cNvPr id="7" name="Picture 6">
+            <a:extLst>
+              <a:ext uri="{FF2B5EF4-FFF2-40B4-BE49-F238E27FC236}">
+                <a16:creationId xmlns:a16="http://schemas.microsoft.com/office/drawing/2014/main" id="{7881404B-B6A4-48DF-A552-983890822024}"/>
+              </a:ext>
+            </a:extLst>
+          </p:cNvPr>
+          <p:cNvPicPr>
+            <a:picLocks noChangeAspect="1"/>
+          </p:cNvPicPr>
+          <p:nvPr/>
+        </p:nvPicPr>
+        <p:blipFill>
+          <a:blip r:embed="rId8"/>
+          <a:stretch>
+            <a:fillRect/>
+          </a:stretch>
+        </p:blipFill>
+        <p:spPr>
+          <a:xfrm>
+            <a:off x="6633502" y="210268"/>
+            <a:ext cx="2271490" cy="833911"/>
+          </a:xfrm>
+          <a:prstGeom prst="rect">
+            <a:avLst/>
+          </a:prstGeom>
+          <a:ln>
+            <a:noFill/>
+          </a:ln>
+          <a:effectLst>
+            <a:outerShdw blurRad="190500" algn="tl" rotWithShape="0">
+              <a:srgbClr val="000000">
+                <a:alpha val="70000"/>
+              </a:srgbClr>
+            </a:outerShdw>
+          </a:effectLst>
+        </p:spPr>
+      </p:pic>
     </p:spTree>
     <p:extLst>
       <p:ext uri="{BB962C8B-B14F-4D97-AF65-F5344CB8AC3E}">
@@ -6881,7 +7207,7 @@
           <a:p>
             <a:r>
               <a:rPr lang="en-US" dirty="0"/>
-              <a:t>Merging Stocks &amp; Trend Data</a:t>
+              <a:t>Tweet Data</a:t>
             </a:r>
           </a:p>
         </p:txBody>
@@ -6928,23 +7254,113 @@
         </p:nvSpPr>
         <p:spPr>
           <a:xfrm>
-            <a:off x="4838700" y="1198832"/>
-            <a:ext cx="3454400" cy="1013671"/>
+            <a:off x="578395" y="1585705"/>
+            <a:ext cx="3352256" cy="1581150"/>
           </a:xfrm>
         </p:spPr>
         <p:txBody>
           <a:bodyPr>
-            <a:normAutofit fontScale="92500" lnSpcReduction="20000"/>
+            <a:noAutofit/>
           </a:bodyPr>
           <a:lstStyle/>
           <a:p>
-            <a:r>
-              <a:rPr lang="en-US" sz="1600" dirty="0"/>
-              <a:t>Incoming dates are transformed, or Yearly/Weekly grains added to conform the time frequency to its lowest-time grain across both sources – weekly.</a:t>
-            </a:r>
-          </a:p>
-          <a:p>
-            <a:endParaRPr lang="en-US" sz="1600" dirty="0"/>
+            <a:pPr marL="0" indent="0">
+              <a:lnSpc>
+                <a:spcPct val="90000"/>
+              </a:lnSpc>
+              <a:buFont typeface="Arial"/>
+              <a:buNone/>
+            </a:pPr>
+            <a:r>
+              <a:rPr lang="en-US" sz="1400" dirty="0" err="1">
+                <a:hlinkClick r:id="rId2"/>
+              </a:rPr>
+              <a:t>Twint</a:t>
+            </a:r>
+            <a:r>
+              <a:rPr lang="en-US" sz="1400" dirty="0"/>
+              <a:t> – Tweet data feed for Twitter </a:t>
+            </a:r>
+          </a:p>
+          <a:p>
+            <a:pPr marL="0" indent="0">
+              <a:lnSpc>
+                <a:spcPct val="90000"/>
+              </a:lnSpc>
+              <a:buFont typeface="Arial"/>
+              <a:buNone/>
+            </a:pPr>
+            <a:r>
+              <a:rPr lang="en-US" sz="1400" dirty="0"/>
+              <a:t>	$pip install </a:t>
+            </a:r>
+            <a:r>
+              <a:rPr lang="en-US" sz="1400" dirty="0" err="1"/>
+              <a:t>twint</a:t>
+            </a:r>
+            <a:endParaRPr lang="en-US" sz="1400" dirty="0"/>
+          </a:p>
+          <a:p>
+            <a:pPr marL="0" indent="0">
+              <a:buNone/>
+            </a:pPr>
+            <a:r>
+              <a:rPr lang="en-US" sz="1400" dirty="0"/>
+              <a:t>Advanced Twitter scraping tool allowing for scraping from specific Twitter topics (almost all Tweets)</a:t>
+            </a:r>
+          </a:p>
+          <a:p>
+            <a:pPr marL="0" indent="0">
+              <a:buNone/>
+            </a:pPr>
+            <a:r>
+              <a:rPr lang="en-US" sz="1200" i="1" dirty="0"/>
+              <a:t>Note: Twitter’s API limits to 3200 Tweets</a:t>
+            </a:r>
+          </a:p>
+        </p:txBody>
+      </p:sp>
+      <p:sp>
+        <p:nvSpPr>
+          <p:cNvPr id="17" name="Arrow: Right 16">
+            <a:extLst>
+              <a:ext uri="{FF2B5EF4-FFF2-40B4-BE49-F238E27FC236}">
+                <a16:creationId xmlns:a16="http://schemas.microsoft.com/office/drawing/2014/main" id="{AD226FA7-6C6A-4DFA-84C0-2E4EB5133A85}"/>
+              </a:ext>
+            </a:extLst>
+          </p:cNvPr>
+          <p:cNvSpPr/>
+          <p:nvPr/>
+        </p:nvSpPr>
+        <p:spPr>
+          <a:xfrm>
+            <a:off x="3048034" y="1150731"/>
+            <a:ext cx="736565" cy="293257"/>
+          </a:xfrm>
+          <a:prstGeom prst="rightArrow">
+            <a:avLst/>
+          </a:prstGeom>
+        </p:spPr>
+        <p:style>
+          <a:lnRef idx="1">
+            <a:schemeClr val="accent1"/>
+          </a:lnRef>
+          <a:fillRef idx="3">
+            <a:schemeClr val="accent1"/>
+          </a:fillRef>
+          <a:effectRef idx="2">
+            <a:schemeClr val="accent1"/>
+          </a:effectRef>
+          <a:fontRef idx="minor">
+            <a:schemeClr val="lt1"/>
+          </a:fontRef>
+        </p:style>
+        <p:txBody>
+          <a:bodyPr rtlCol="0" anchor="ctr"/>
+          <a:lstStyle/>
+          <a:p>
+            <a:pPr algn="ctr"/>
+            <a:endParaRPr lang="en-US"/>
           </a:p>
         </p:txBody>
       </p:sp>
@@ -6962,13 +7378,13 @@
         </p:nvSpPr>
         <p:spPr>
           <a:xfrm>
-            <a:off x="3613919" y="3175943"/>
-            <a:ext cx="1398258" cy="451934"/>
+            <a:off x="4139571" y="4238486"/>
+            <a:ext cx="1398258" cy="352425"/>
           </a:xfrm>
           <a:prstGeom prst="wedgeRectCallout">
             <a:avLst>
-              <a:gd name="adj1" fmla="val 24640"/>
-              <a:gd name="adj2" fmla="val 85782"/>
+              <a:gd name="adj1" fmla="val -76179"/>
+              <a:gd name="adj2" fmla="val 25364"/>
             </a:avLst>
           </a:prstGeom>
         </p:spPr>
@@ -6993,57 +7409,17 @@
             <a:pPr algn="ctr"/>
             <a:r>
               <a:rPr lang="en-US" sz="1000" dirty="0"/>
-              <a:t>Stock CSV and Trend CSV data is merged to a single dataset</a:t>
-            </a:r>
-          </a:p>
-        </p:txBody>
-      </p:sp>
-      <p:pic>
-        <p:nvPicPr>
-          <p:cNvPr id="7" name="Picture 6">
+              <a:t>Moved to CSV dataset</a:t>
+            </a:r>
+          </a:p>
+        </p:txBody>
+      </p:sp>
+      <p:sp>
+        <p:nvSpPr>
+          <p:cNvPr id="23" name="Arrow: Right 22">
             <a:extLst>
               <a:ext uri="{FF2B5EF4-FFF2-40B4-BE49-F238E27FC236}">
-                <a16:creationId xmlns:a16="http://schemas.microsoft.com/office/drawing/2014/main" id="{DF8BAE08-B392-4E44-A00F-874B510E7DCA}"/>
-              </a:ext>
-            </a:extLst>
-          </p:cNvPr>
-          <p:cNvPicPr>
-            <a:picLocks noChangeAspect="1"/>
-          </p:cNvPicPr>
-          <p:nvPr/>
-        </p:nvPicPr>
-        <p:blipFill>
-          <a:blip r:embed="rId2"/>
-          <a:stretch>
-            <a:fillRect/>
-          </a:stretch>
-        </p:blipFill>
-        <p:spPr>
-          <a:xfrm>
-            <a:off x="294640" y="1063230"/>
-            <a:ext cx="4317312" cy="1749820"/>
-          </a:xfrm>
-          <a:prstGeom prst="rect">
-            <a:avLst/>
-          </a:prstGeom>
-          <a:ln>
-            <a:noFill/>
-          </a:ln>
-          <a:effectLst>
-            <a:outerShdw blurRad="190500" algn="tl" rotWithShape="0">
-              <a:srgbClr val="000000">
-                <a:alpha val="70000"/>
-              </a:srgbClr>
-            </a:outerShdw>
-          </a:effectLst>
-        </p:spPr>
-      </p:pic>
-      <p:sp>
-        <p:nvSpPr>
-          <p:cNvPr id="20" name="Speech Bubble: Rectangle 19">
-            <a:extLst>
-              <a:ext uri="{FF2B5EF4-FFF2-40B4-BE49-F238E27FC236}">
-                <a16:creationId xmlns:a16="http://schemas.microsoft.com/office/drawing/2014/main" id="{DF67AC7C-1856-41A1-B123-48DF0E93AB70}"/>
+                <a16:creationId xmlns:a16="http://schemas.microsoft.com/office/drawing/2014/main" id="{A0CAA4E0-D6BD-4462-9FA9-A2D604A52B25}"/>
               </a:ext>
             </a:extLst>
           </p:cNvPr>
@@ -7051,14 +7427,102 @@
           <p:nvPr/>
         </p:nvSpPr>
         <p:spPr>
+          <a:xfrm rot="5400000">
+            <a:off x="3100085" y="3846140"/>
+            <a:ext cx="753379" cy="293257"/>
+          </a:xfrm>
+          <a:prstGeom prst="rightArrow">
+            <a:avLst/>
+          </a:prstGeom>
+        </p:spPr>
+        <p:style>
+          <a:lnRef idx="1">
+            <a:schemeClr val="accent1"/>
+          </a:lnRef>
+          <a:fillRef idx="3">
+            <a:schemeClr val="accent1"/>
+          </a:fillRef>
+          <a:effectRef idx="2">
+            <a:schemeClr val="accent1"/>
+          </a:effectRef>
+          <a:fontRef idx="minor">
+            <a:schemeClr val="lt1"/>
+          </a:fontRef>
+        </p:style>
+        <p:txBody>
+          <a:bodyPr rtlCol="0" anchor="ctr"/>
+          <a:lstStyle/>
+          <a:p>
+            <a:pPr algn="ctr"/>
+            <a:endParaRPr lang="en-US"/>
+          </a:p>
+        </p:txBody>
+      </p:sp>
+      <p:sp>
+        <p:nvSpPr>
+          <p:cNvPr id="25" name="Arrow: Right 24">
+            <a:extLst>
+              <a:ext uri="{FF2B5EF4-FFF2-40B4-BE49-F238E27FC236}">
+                <a16:creationId xmlns:a16="http://schemas.microsoft.com/office/drawing/2014/main" id="{ECED4934-94AB-4A34-940C-A165E9E7C3FC}"/>
+              </a:ext>
+            </a:extLst>
+          </p:cNvPr>
+          <p:cNvSpPr/>
+          <p:nvPr/>
+        </p:nvSpPr>
+        <p:spPr>
+          <a:xfrm rot="10800000">
+            <a:off x="5226797" y="3272200"/>
+            <a:ext cx="736563" cy="293257"/>
+          </a:xfrm>
+          <a:prstGeom prst="rightArrow">
+            <a:avLst/>
+          </a:prstGeom>
+        </p:spPr>
+        <p:style>
+          <a:lnRef idx="1">
+            <a:schemeClr val="accent1"/>
+          </a:lnRef>
+          <a:fillRef idx="3">
+            <a:schemeClr val="accent1"/>
+          </a:fillRef>
+          <a:effectRef idx="2">
+            <a:schemeClr val="accent1"/>
+          </a:effectRef>
+          <a:fontRef idx="minor">
+            <a:schemeClr val="lt1"/>
+          </a:fontRef>
+        </p:style>
+        <p:txBody>
+          <a:bodyPr rtlCol="0" anchor="ctr"/>
+          <a:lstStyle/>
+          <a:p>
+            <a:pPr algn="ctr"/>
+            <a:endParaRPr lang="en-US"/>
+          </a:p>
+        </p:txBody>
+      </p:sp>
+      <p:sp>
+        <p:nvSpPr>
+          <p:cNvPr id="22" name="Speech Bubble: Rectangle 21">
+            <a:extLst>
+              <a:ext uri="{FF2B5EF4-FFF2-40B4-BE49-F238E27FC236}">
+                <a16:creationId xmlns:a16="http://schemas.microsoft.com/office/drawing/2014/main" id="{D8CBBEA0-AAF4-401E-900D-36CA96287A44}"/>
+              </a:ext>
+            </a:extLst>
+          </p:cNvPr>
+          <p:cNvSpPr/>
+          <p:nvPr/>
+        </p:nvSpPr>
+        <p:spPr>
           <a:xfrm>
-            <a:off x="667518" y="3001935"/>
-            <a:ext cx="1624831" cy="451934"/>
+            <a:off x="3930651" y="2808377"/>
+            <a:ext cx="1003300" cy="299826"/>
           </a:xfrm>
           <a:prstGeom prst="wedgeRectCallout">
             <a:avLst>
-              <a:gd name="adj1" fmla="val 20392"/>
-              <a:gd name="adj2" fmla="val -95472"/>
+              <a:gd name="adj1" fmla="val -17869"/>
+              <a:gd name="adj2" fmla="val 101362"/>
             </a:avLst>
           </a:prstGeom>
         </p:spPr>
@@ -7080,19 +7544,78 @@
           <a:bodyPr rtlCol="0" anchor="ctr"/>
           <a:lstStyle/>
           <a:p>
+            <a:pPr algn="ctr"/>
             <a:r>
               <a:rPr lang="en-US" sz="1000" dirty="0"/>
-              <a:t>Weekly grain converted to ISO, Monday start of week </a:t>
+              <a:t>Strip time from time stamp</a:t>
+            </a:r>
+          </a:p>
+        </p:txBody>
+      </p:sp>
+      <p:sp>
+        <p:nvSpPr>
+          <p:cNvPr id="11" name="Speech Bubble: Rectangle 10">
+            <a:extLst>
+              <a:ext uri="{FF2B5EF4-FFF2-40B4-BE49-F238E27FC236}">
+                <a16:creationId xmlns:a16="http://schemas.microsoft.com/office/drawing/2014/main" id="{33A16886-DB0D-4279-B6CE-6C8A1249649B}"/>
+              </a:ext>
+            </a:extLst>
+          </p:cNvPr>
+          <p:cNvSpPr/>
+          <p:nvPr/>
+        </p:nvSpPr>
+        <p:spPr>
+          <a:xfrm>
+            <a:off x="5828078" y="1297359"/>
+            <a:ext cx="1560148" cy="401849"/>
+          </a:xfrm>
+          <a:prstGeom prst="wedgeRectCallout">
+            <a:avLst>
+              <a:gd name="adj1" fmla="val -60611"/>
+              <a:gd name="adj2" fmla="val 111951"/>
+            </a:avLst>
+          </a:prstGeom>
+        </p:spPr>
+        <p:style>
+          <a:lnRef idx="1">
+            <a:schemeClr val="dk1"/>
+          </a:lnRef>
+          <a:fillRef idx="2">
+            <a:schemeClr val="dk1"/>
+          </a:fillRef>
+          <a:effectRef idx="1">
+            <a:schemeClr val="dk1"/>
+          </a:effectRef>
+          <a:fontRef idx="minor">
+            <a:schemeClr val="dk1"/>
+          </a:fontRef>
+        </p:style>
+        <p:txBody>
+          <a:bodyPr rtlCol="0" anchor="ctr"/>
+          <a:lstStyle/>
+          <a:p>
+            <a:pPr algn="ctr"/>
+            <a:r>
+              <a:rPr lang="en-US" sz="1000" dirty="0"/>
+              <a:t>Import stock Tweet activity: </a:t>
+            </a:r>
+            <a:r>
+              <a:rPr lang="en-US" sz="1000" dirty="0" err="1"/>
+              <a:t>twint.run.Search</a:t>
+            </a:r>
+            <a:r>
+              <a:rPr lang="en-US" sz="1000" dirty="0"/>
+              <a:t>()</a:t>
             </a:r>
           </a:p>
         </p:txBody>
       </p:sp>
       <p:pic>
         <p:nvPicPr>
-          <p:cNvPr id="14" name="Picture 13">
+          <p:cNvPr id="7" name="Picture 6">
             <a:extLst>
               <a:ext uri="{FF2B5EF4-FFF2-40B4-BE49-F238E27FC236}">
-                <a16:creationId xmlns:a16="http://schemas.microsoft.com/office/drawing/2014/main" id="{5976E6D0-7B12-4B64-9BC9-A06643D4541B}"/>
+                <a16:creationId xmlns:a16="http://schemas.microsoft.com/office/drawing/2014/main" id="{B1855B5A-8660-4AF5-9624-CB6AA538BE9D}"/>
               </a:ext>
             </a:extLst>
           </p:cNvPr>
@@ -7109,8 +7632,8 @@
         </p:blipFill>
         <p:spPr>
           <a:xfrm>
-            <a:off x="294640" y="3776490"/>
-            <a:ext cx="8559800" cy="390125"/>
+            <a:off x="7054692" y="160152"/>
+            <a:ext cx="1957587" cy="1024675"/>
           </a:xfrm>
           <a:prstGeom prst="rect">
             <a:avLst/>
@@ -7127,10 +7650,264 @@
           </a:effectLst>
         </p:spPr>
       </p:pic>
+      <p:pic>
+        <p:nvPicPr>
+          <p:cNvPr id="10" name="Picture 9">
+            <a:extLst>
+              <a:ext uri="{FF2B5EF4-FFF2-40B4-BE49-F238E27FC236}">
+                <a16:creationId xmlns:a16="http://schemas.microsoft.com/office/drawing/2014/main" id="{ED2370A1-249F-4F28-BFF3-AA8336B38E07}"/>
+              </a:ext>
+            </a:extLst>
+          </p:cNvPr>
+          <p:cNvPicPr>
+            <a:picLocks noChangeAspect="1"/>
+          </p:cNvPicPr>
+          <p:nvPr/>
+        </p:nvPicPr>
+        <p:blipFill>
+          <a:blip r:embed="rId4"/>
+          <a:stretch>
+            <a:fillRect/>
+          </a:stretch>
+        </p:blipFill>
+        <p:spPr>
+          <a:xfrm>
+            <a:off x="1762125" y="1092689"/>
+            <a:ext cx="1314450" cy="342900"/>
+          </a:xfrm>
+          <a:prstGeom prst="rect">
+            <a:avLst/>
+          </a:prstGeom>
+          <a:ln>
+            <a:noFill/>
+          </a:ln>
+          <a:effectLst>
+            <a:outerShdw blurRad="190500" algn="tl" rotWithShape="0">
+              <a:srgbClr val="000000">
+                <a:alpha val="70000"/>
+              </a:srgbClr>
+            </a:outerShdw>
+          </a:effectLst>
+        </p:spPr>
+      </p:pic>
+      <p:pic>
+        <p:nvPicPr>
+          <p:cNvPr id="18" name="Picture 17">
+            <a:extLst>
+              <a:ext uri="{FF2B5EF4-FFF2-40B4-BE49-F238E27FC236}">
+                <a16:creationId xmlns:a16="http://schemas.microsoft.com/office/drawing/2014/main" id="{41B48F70-6AE8-435C-9C9A-C3A24A4FCB9F}"/>
+              </a:ext>
+            </a:extLst>
+          </p:cNvPr>
+          <p:cNvPicPr>
+            <a:picLocks noChangeAspect="1"/>
+          </p:cNvPicPr>
+          <p:nvPr/>
+        </p:nvPicPr>
+        <p:blipFill>
+          <a:blip r:embed="rId5"/>
+          <a:stretch>
+            <a:fillRect/>
+          </a:stretch>
+        </p:blipFill>
+        <p:spPr>
+          <a:xfrm>
+            <a:off x="654798" y="3272201"/>
+            <a:ext cx="4572000" cy="352425"/>
+          </a:xfrm>
+          <a:prstGeom prst="rect">
+            <a:avLst/>
+          </a:prstGeom>
+          <a:ln>
+            <a:noFill/>
+          </a:ln>
+          <a:effectLst>
+            <a:outerShdw blurRad="190500" algn="tl" rotWithShape="0">
+              <a:srgbClr val="000000">
+                <a:alpha val="70000"/>
+              </a:srgbClr>
+            </a:outerShdw>
+          </a:effectLst>
+        </p:spPr>
+      </p:pic>
+      <p:pic>
+        <p:nvPicPr>
+          <p:cNvPr id="20" name="Picture 19">
+            <a:extLst>
+              <a:ext uri="{FF2B5EF4-FFF2-40B4-BE49-F238E27FC236}">
+                <a16:creationId xmlns:a16="http://schemas.microsoft.com/office/drawing/2014/main" id="{48D98650-28A3-4632-9682-672B6C93CBC6}"/>
+              </a:ext>
+            </a:extLst>
+          </p:cNvPr>
+          <p:cNvPicPr>
+            <a:picLocks noChangeAspect="1"/>
+          </p:cNvPicPr>
+          <p:nvPr/>
+        </p:nvPicPr>
+        <p:blipFill>
+          <a:blip r:embed="rId6"/>
+          <a:stretch>
+            <a:fillRect/>
+          </a:stretch>
+        </p:blipFill>
+        <p:spPr>
+          <a:xfrm>
+            <a:off x="793749" y="4378004"/>
+            <a:ext cx="2990850" cy="276225"/>
+          </a:xfrm>
+          <a:prstGeom prst="rect">
+            <a:avLst/>
+          </a:prstGeom>
+          <a:ln>
+            <a:noFill/>
+          </a:ln>
+          <a:effectLst>
+            <a:outerShdw blurRad="190500" algn="tl" rotWithShape="0">
+              <a:srgbClr val="000000">
+                <a:alpha val="70000"/>
+              </a:srgbClr>
+            </a:outerShdw>
+          </a:effectLst>
+        </p:spPr>
+      </p:pic>
+      <p:pic>
+        <p:nvPicPr>
+          <p:cNvPr id="27" name="Picture 26">
+            <a:extLst>
+              <a:ext uri="{FF2B5EF4-FFF2-40B4-BE49-F238E27FC236}">
+                <a16:creationId xmlns:a16="http://schemas.microsoft.com/office/drawing/2014/main" id="{5A2178A7-10E4-4489-88EF-827273A1653B}"/>
+              </a:ext>
+            </a:extLst>
+          </p:cNvPr>
+          <p:cNvPicPr>
+            <a:picLocks noChangeAspect="1"/>
+          </p:cNvPicPr>
+          <p:nvPr/>
+        </p:nvPicPr>
+        <p:blipFill>
+          <a:blip r:embed="rId7"/>
+          <a:stretch>
+            <a:fillRect/>
+          </a:stretch>
+        </p:blipFill>
+        <p:spPr>
+          <a:xfrm>
+            <a:off x="3914775" y="1063229"/>
+            <a:ext cx="1847850" cy="1581150"/>
+          </a:xfrm>
+          <a:prstGeom prst="rect">
+            <a:avLst/>
+          </a:prstGeom>
+          <a:ln>
+            <a:noFill/>
+          </a:ln>
+          <a:effectLst>
+            <a:outerShdw blurRad="190500" algn="tl" rotWithShape="0">
+              <a:srgbClr val="000000">
+                <a:alpha val="70000"/>
+              </a:srgbClr>
+            </a:outerShdw>
+          </a:effectLst>
+        </p:spPr>
+      </p:pic>
+      <p:sp>
+        <p:nvSpPr>
+          <p:cNvPr id="28" name="Arrow: Right 27">
+            <a:extLst>
+              <a:ext uri="{FF2B5EF4-FFF2-40B4-BE49-F238E27FC236}">
+                <a16:creationId xmlns:a16="http://schemas.microsoft.com/office/drawing/2014/main" id="{CBF939A1-4265-4E89-8146-677DBF1068D7}"/>
+              </a:ext>
+            </a:extLst>
+          </p:cNvPr>
+          <p:cNvSpPr/>
+          <p:nvPr/>
+        </p:nvSpPr>
+        <p:spPr>
+          <a:xfrm>
+            <a:off x="5762625" y="2079211"/>
+            <a:ext cx="736565" cy="293257"/>
+          </a:xfrm>
+          <a:prstGeom prst="rightArrow">
+            <a:avLst/>
+          </a:prstGeom>
+        </p:spPr>
+        <p:style>
+          <a:lnRef idx="1">
+            <a:schemeClr val="accent1"/>
+          </a:lnRef>
+          <a:fillRef idx="3">
+            <a:schemeClr val="accent1"/>
+          </a:fillRef>
+          <a:effectRef idx="2">
+            <a:schemeClr val="accent1"/>
+          </a:effectRef>
+          <a:fontRef idx="minor">
+            <a:schemeClr val="lt1"/>
+          </a:fontRef>
+        </p:style>
+        <p:txBody>
+          <a:bodyPr rtlCol="0" anchor="ctr"/>
+          <a:lstStyle/>
+          <a:p>
+            <a:pPr algn="ctr"/>
+            <a:endParaRPr lang="en-US"/>
+          </a:p>
+        </p:txBody>
+      </p:sp>
+      <p:sp>
+        <p:nvSpPr>
+          <p:cNvPr id="29" name="Speech Bubble: Rectangle 28">
+            <a:extLst>
+              <a:ext uri="{FF2B5EF4-FFF2-40B4-BE49-F238E27FC236}">
+                <a16:creationId xmlns:a16="http://schemas.microsoft.com/office/drawing/2014/main" id="{091818BF-EDD5-4A00-9761-F7E23A41A4F9}"/>
+              </a:ext>
+            </a:extLst>
+          </p:cNvPr>
+          <p:cNvSpPr/>
+          <p:nvPr/>
+        </p:nvSpPr>
+        <p:spPr>
+          <a:xfrm>
+            <a:off x="7851001" y="2807368"/>
+            <a:ext cx="786954" cy="299826"/>
+          </a:xfrm>
+          <a:prstGeom prst="wedgeRectCallout">
+            <a:avLst>
+              <a:gd name="adj1" fmla="val -91298"/>
+              <a:gd name="adj2" fmla="val -4533"/>
+            </a:avLst>
+          </a:prstGeom>
+        </p:spPr>
+        <p:style>
+          <a:lnRef idx="1">
+            <a:schemeClr val="dk1"/>
+          </a:lnRef>
+          <a:fillRef idx="2">
+            <a:schemeClr val="dk1"/>
+          </a:fillRef>
+          <a:effectRef idx="1">
+            <a:schemeClr val="dk1"/>
+          </a:effectRef>
+          <a:fontRef idx="minor">
+            <a:schemeClr val="dk1"/>
+          </a:fontRef>
+        </p:style>
+        <p:txBody>
+          <a:bodyPr rtlCol="0" anchor="ctr"/>
+          <a:lstStyle/>
+          <a:p>
+            <a:pPr algn="ctr"/>
+            <a:r>
+              <a:rPr lang="en-US" sz="1000" dirty="0"/>
+              <a:t>Required Fields</a:t>
+            </a:r>
+          </a:p>
+        </p:txBody>
+      </p:sp>
     </p:spTree>
     <p:extLst>
       <p:ext uri="{BB962C8B-B14F-4D97-AF65-F5344CB8AC3E}">
-        <p14:creationId xmlns:p14="http://schemas.microsoft.com/office/powerpoint/2010/main" val="3322100970"/>
+        <p14:creationId xmlns:p14="http://schemas.microsoft.com/office/powerpoint/2010/main" val="337191531"/>
       </p:ext>
     </p:extLst>
   </p:cSld>
@@ -7162,7 +7939,7 @@
           <p:cNvPr id="5" name="Title 4">
             <a:extLst>
               <a:ext uri="{FF2B5EF4-FFF2-40B4-BE49-F238E27FC236}">
-                <a16:creationId xmlns:a16="http://schemas.microsoft.com/office/drawing/2014/main" id="{6229D272-CD8F-44E9-8790-217BC2FFC777}"/>
+                <a16:creationId xmlns:a16="http://schemas.microsoft.com/office/drawing/2014/main" id="{D4296CC1-D52C-4736-AB4E-1D2D2C75C616}"/>
               </a:ext>
             </a:extLst>
           </p:cNvPr>
@@ -7180,45 +7957,14 @@
           <a:p>
             <a:r>
               <a:rPr lang="en-US" dirty="0"/>
-              <a:t>Results &amp; Analysis</a:t>
-            </a:r>
-          </a:p>
-        </p:txBody>
-      </p:sp>
-      <p:sp>
-        <p:nvSpPr>
-          <p:cNvPr id="6" name="Text Placeholder 5">
-            <a:extLst>
-              <a:ext uri="{FF2B5EF4-FFF2-40B4-BE49-F238E27FC236}">
-                <a16:creationId xmlns:a16="http://schemas.microsoft.com/office/drawing/2014/main" id="{D7DC2AC3-222C-406D-B69B-1802F4ED9C1B}"/>
-              </a:ext>
-            </a:extLst>
-          </p:cNvPr>
-          <p:cNvSpPr>
-            <a:spLocks noGrp="1"/>
-          </p:cNvSpPr>
-          <p:nvPr>
-            <p:ph type="body" idx="1"/>
-          </p:nvPr>
-        </p:nvSpPr>
-        <p:spPr/>
-        <p:txBody>
-          <a:bodyPr/>
-          <a:lstStyle/>
-          <a:p>
-            <a:endParaRPr lang="en-US" dirty="0"/>
-          </a:p>
-        </p:txBody>
-      </p:sp>
-      <p:sp>
-        <p:nvSpPr>
-          <p:cNvPr id="4" name="Slide Number Placeholder 3">
-            <a:extLst>
-              <a:ext uri="{FF2B5EF4-FFF2-40B4-BE49-F238E27FC236}">
-                <a16:creationId xmlns:a16="http://schemas.microsoft.com/office/drawing/2014/main" id="{8A126BAB-AD9D-4CD8-A7EA-15B31EA7F368}"/>
-              </a:ext>
-            </a:extLst>
-          </p:cNvPr>
+              <a:t>Merging Stocks &amp; Trend Data</a:t>
+            </a:r>
+          </a:p>
+        </p:txBody>
+      </p:sp>
+      <p:sp>
+        <p:nvSpPr>
+          <p:cNvPr id="4" name="Slide Number Placeholder 3"/>
           <p:cNvSpPr>
             <a:spLocks noGrp="1"/>
           </p:cNvSpPr>
@@ -7236,14 +7982,231 @@
               <a:pPr/>
               <a:t>6</a:t>
             </a:fld>
-            <a:endParaRPr lang="en-US"/>
-          </a:p>
-        </p:txBody>
-      </p:sp>
+            <a:endParaRPr lang="en-US" dirty="0"/>
+          </a:p>
+        </p:txBody>
+      </p:sp>
+      <p:sp>
+        <p:nvSpPr>
+          <p:cNvPr id="3" name="Content Placeholder 2">
+            <a:extLst>
+              <a:ext uri="{FF2B5EF4-FFF2-40B4-BE49-F238E27FC236}">
+                <a16:creationId xmlns:a16="http://schemas.microsoft.com/office/drawing/2014/main" id="{68CB2294-DAA7-4004-8EFD-36F55B70ED9A}"/>
+              </a:ext>
+            </a:extLst>
+          </p:cNvPr>
+          <p:cNvSpPr>
+            <a:spLocks noGrp="1"/>
+          </p:cNvSpPr>
+          <p:nvPr>
+            <p:ph idx="1"/>
+          </p:nvPr>
+        </p:nvSpPr>
+        <p:spPr>
+          <a:xfrm>
+            <a:off x="4838700" y="1198832"/>
+            <a:ext cx="3454400" cy="1013671"/>
+          </a:xfrm>
+        </p:spPr>
+        <p:txBody>
+          <a:bodyPr>
+            <a:normAutofit fontScale="92500" lnSpcReduction="20000"/>
+          </a:bodyPr>
+          <a:lstStyle/>
+          <a:p>
+            <a:r>
+              <a:rPr lang="en-US" sz="1600" dirty="0"/>
+              <a:t>Incoming dates are transformed, or Yearly/Weekly grains added to conform the time frequency to its lowest-time grain across both sources – weekly.</a:t>
+            </a:r>
+          </a:p>
+          <a:p>
+            <a:endParaRPr lang="en-US" sz="1600" dirty="0"/>
+          </a:p>
+        </p:txBody>
+      </p:sp>
+      <p:sp>
+        <p:nvSpPr>
+          <p:cNvPr id="21" name="Speech Bubble: Rectangle 20">
+            <a:extLst>
+              <a:ext uri="{FF2B5EF4-FFF2-40B4-BE49-F238E27FC236}">
+                <a16:creationId xmlns:a16="http://schemas.microsoft.com/office/drawing/2014/main" id="{96DFCE6E-2ECF-437A-A066-11B2FA473E47}"/>
+              </a:ext>
+            </a:extLst>
+          </p:cNvPr>
+          <p:cNvSpPr/>
+          <p:nvPr/>
+        </p:nvSpPr>
+        <p:spPr>
+          <a:xfrm>
+            <a:off x="3613919" y="3175943"/>
+            <a:ext cx="1398258" cy="451934"/>
+          </a:xfrm>
+          <a:prstGeom prst="wedgeRectCallout">
+            <a:avLst>
+              <a:gd name="adj1" fmla="val 24640"/>
+              <a:gd name="adj2" fmla="val 85782"/>
+            </a:avLst>
+          </a:prstGeom>
+        </p:spPr>
+        <p:style>
+          <a:lnRef idx="1">
+            <a:schemeClr val="dk1"/>
+          </a:lnRef>
+          <a:fillRef idx="2">
+            <a:schemeClr val="dk1"/>
+          </a:fillRef>
+          <a:effectRef idx="1">
+            <a:schemeClr val="dk1"/>
+          </a:effectRef>
+          <a:fontRef idx="minor">
+            <a:schemeClr val="dk1"/>
+          </a:fontRef>
+        </p:style>
+        <p:txBody>
+          <a:bodyPr rtlCol="0" anchor="ctr"/>
+          <a:lstStyle/>
+          <a:p>
+            <a:pPr algn="ctr"/>
+            <a:r>
+              <a:rPr lang="en-US" sz="1000" dirty="0"/>
+              <a:t>Stock CSV and Trend CSV data is merged to a single dataset</a:t>
+            </a:r>
+          </a:p>
+        </p:txBody>
+      </p:sp>
+      <p:pic>
+        <p:nvPicPr>
+          <p:cNvPr id="7" name="Picture 6">
+            <a:extLst>
+              <a:ext uri="{FF2B5EF4-FFF2-40B4-BE49-F238E27FC236}">
+                <a16:creationId xmlns:a16="http://schemas.microsoft.com/office/drawing/2014/main" id="{DF8BAE08-B392-4E44-A00F-874B510E7DCA}"/>
+              </a:ext>
+            </a:extLst>
+          </p:cNvPr>
+          <p:cNvPicPr>
+            <a:picLocks noChangeAspect="1"/>
+          </p:cNvPicPr>
+          <p:nvPr/>
+        </p:nvPicPr>
+        <p:blipFill>
+          <a:blip r:embed="rId2"/>
+          <a:stretch>
+            <a:fillRect/>
+          </a:stretch>
+        </p:blipFill>
+        <p:spPr>
+          <a:xfrm>
+            <a:off x="294640" y="1063230"/>
+            <a:ext cx="4317312" cy="1749820"/>
+          </a:xfrm>
+          <a:prstGeom prst="rect">
+            <a:avLst/>
+          </a:prstGeom>
+          <a:ln>
+            <a:noFill/>
+          </a:ln>
+          <a:effectLst>
+            <a:outerShdw blurRad="190500" algn="tl" rotWithShape="0">
+              <a:srgbClr val="000000">
+                <a:alpha val="70000"/>
+              </a:srgbClr>
+            </a:outerShdw>
+          </a:effectLst>
+        </p:spPr>
+      </p:pic>
+      <p:sp>
+        <p:nvSpPr>
+          <p:cNvPr id="20" name="Speech Bubble: Rectangle 19">
+            <a:extLst>
+              <a:ext uri="{FF2B5EF4-FFF2-40B4-BE49-F238E27FC236}">
+                <a16:creationId xmlns:a16="http://schemas.microsoft.com/office/drawing/2014/main" id="{DF67AC7C-1856-41A1-B123-48DF0E93AB70}"/>
+              </a:ext>
+            </a:extLst>
+          </p:cNvPr>
+          <p:cNvSpPr/>
+          <p:nvPr/>
+        </p:nvSpPr>
+        <p:spPr>
+          <a:xfrm>
+            <a:off x="667518" y="3001935"/>
+            <a:ext cx="1624831" cy="451934"/>
+          </a:xfrm>
+          <a:prstGeom prst="wedgeRectCallout">
+            <a:avLst>
+              <a:gd name="adj1" fmla="val 20392"/>
+              <a:gd name="adj2" fmla="val -95472"/>
+            </a:avLst>
+          </a:prstGeom>
+        </p:spPr>
+        <p:style>
+          <a:lnRef idx="1">
+            <a:schemeClr val="dk1"/>
+          </a:lnRef>
+          <a:fillRef idx="2">
+            <a:schemeClr val="dk1"/>
+          </a:fillRef>
+          <a:effectRef idx="1">
+            <a:schemeClr val="dk1"/>
+          </a:effectRef>
+          <a:fontRef idx="minor">
+            <a:schemeClr val="dk1"/>
+          </a:fontRef>
+        </p:style>
+        <p:txBody>
+          <a:bodyPr rtlCol="0" anchor="ctr"/>
+          <a:lstStyle/>
+          <a:p>
+            <a:r>
+              <a:rPr lang="en-US" sz="1000" dirty="0"/>
+              <a:t>Weekly grain converted to ISO, Monday start of week </a:t>
+            </a:r>
+          </a:p>
+        </p:txBody>
+      </p:sp>
+      <p:pic>
+        <p:nvPicPr>
+          <p:cNvPr id="14" name="Picture 13">
+            <a:extLst>
+              <a:ext uri="{FF2B5EF4-FFF2-40B4-BE49-F238E27FC236}">
+                <a16:creationId xmlns:a16="http://schemas.microsoft.com/office/drawing/2014/main" id="{5976E6D0-7B12-4B64-9BC9-A06643D4541B}"/>
+              </a:ext>
+            </a:extLst>
+          </p:cNvPr>
+          <p:cNvPicPr>
+            <a:picLocks noChangeAspect="1"/>
+          </p:cNvPicPr>
+          <p:nvPr/>
+        </p:nvPicPr>
+        <p:blipFill>
+          <a:blip r:embed="rId3"/>
+          <a:stretch>
+            <a:fillRect/>
+          </a:stretch>
+        </p:blipFill>
+        <p:spPr>
+          <a:xfrm>
+            <a:off x="294640" y="3776490"/>
+            <a:ext cx="8559800" cy="390125"/>
+          </a:xfrm>
+          <a:prstGeom prst="rect">
+            <a:avLst/>
+          </a:prstGeom>
+          <a:ln>
+            <a:noFill/>
+          </a:ln>
+          <a:effectLst>
+            <a:outerShdw blurRad="190500" algn="tl" rotWithShape="0">
+              <a:srgbClr val="000000">
+                <a:alpha val="70000"/>
+              </a:srgbClr>
+            </a:outerShdw>
+          </a:effectLst>
+        </p:spPr>
+      </p:pic>
     </p:spTree>
     <p:extLst>
       <p:ext uri="{BB962C8B-B14F-4D97-AF65-F5344CB8AC3E}">
-        <p14:creationId xmlns:p14="http://schemas.microsoft.com/office/powerpoint/2010/main" val="2347461722"/>
+        <p14:creationId xmlns:p14="http://schemas.microsoft.com/office/powerpoint/2010/main" val="3322100970"/>
       </p:ext>
     </p:extLst>
   </p:cSld>
@@ -7275,7 +8238,7 @@
           <p:cNvPr id="5" name="Title 4">
             <a:extLst>
               <a:ext uri="{FF2B5EF4-FFF2-40B4-BE49-F238E27FC236}">
-                <a16:creationId xmlns:a16="http://schemas.microsoft.com/office/drawing/2014/main" id="{D4296CC1-D52C-4736-AB4E-1D2D2C75C616}"/>
+                <a16:creationId xmlns:a16="http://schemas.microsoft.com/office/drawing/2014/main" id="{6229D272-CD8F-44E9-8790-217BC2FFC777}"/>
               </a:ext>
             </a:extLst>
           </p:cNvPr>
@@ -7293,14 +8256,45 @@
           <a:p>
             <a:r>
               <a:rPr lang="en-US" dirty="0"/>
-              <a:t>Potential Next Steps</a:t>
-            </a:r>
-          </a:p>
-        </p:txBody>
-      </p:sp>
-      <p:sp>
-        <p:nvSpPr>
-          <p:cNvPr id="4" name="Slide Number Placeholder 3"/>
+              <a:t>Results &amp; Analysis</a:t>
+            </a:r>
+          </a:p>
+        </p:txBody>
+      </p:sp>
+      <p:sp>
+        <p:nvSpPr>
+          <p:cNvPr id="6" name="Text Placeholder 5">
+            <a:extLst>
+              <a:ext uri="{FF2B5EF4-FFF2-40B4-BE49-F238E27FC236}">
+                <a16:creationId xmlns:a16="http://schemas.microsoft.com/office/drawing/2014/main" id="{D7DC2AC3-222C-406D-B69B-1802F4ED9C1B}"/>
+              </a:ext>
+            </a:extLst>
+          </p:cNvPr>
+          <p:cNvSpPr>
+            <a:spLocks noGrp="1"/>
+          </p:cNvSpPr>
+          <p:nvPr>
+            <p:ph type="body" idx="1"/>
+          </p:nvPr>
+        </p:nvSpPr>
+        <p:spPr/>
+        <p:txBody>
+          <a:bodyPr/>
+          <a:lstStyle/>
+          <a:p>
+            <a:endParaRPr lang="en-US" dirty="0"/>
+          </a:p>
+        </p:txBody>
+      </p:sp>
+      <p:sp>
+        <p:nvSpPr>
+          <p:cNvPr id="4" name="Slide Number Placeholder 3">
+            <a:extLst>
+              <a:ext uri="{FF2B5EF4-FFF2-40B4-BE49-F238E27FC236}">
+                <a16:creationId xmlns:a16="http://schemas.microsoft.com/office/drawing/2014/main" id="{8A126BAB-AD9D-4CD8-A7EA-15B31EA7F368}"/>
+              </a:ext>
+            </a:extLst>
+          </p:cNvPr>
           <p:cNvSpPr>
             <a:spLocks noGrp="1"/>
           </p:cNvSpPr>
@@ -7318,114 +8312,14 @@
               <a:pPr/>
               <a:t>7</a:t>
             </a:fld>
-            <a:endParaRPr lang="en-US" dirty="0"/>
-          </a:p>
-        </p:txBody>
-      </p:sp>
-      <p:sp>
-        <p:nvSpPr>
-          <p:cNvPr id="7" name="Content Placeholder 6">
-            <a:extLst>
-              <a:ext uri="{FF2B5EF4-FFF2-40B4-BE49-F238E27FC236}">
-                <a16:creationId xmlns:a16="http://schemas.microsoft.com/office/drawing/2014/main" id="{B7837073-5C1D-46BB-A1F0-03E5003E8F35}"/>
-              </a:ext>
-            </a:extLst>
-          </p:cNvPr>
-          <p:cNvSpPr>
-            <a:spLocks noGrp="1"/>
-          </p:cNvSpPr>
-          <p:nvPr>
-            <p:ph idx="1"/>
-          </p:nvPr>
-        </p:nvSpPr>
-        <p:spPr/>
-        <p:txBody>
-          <a:bodyPr>
-            <a:normAutofit/>
-          </a:bodyPr>
-          <a:lstStyle/>
-          <a:p>
-            <a:pPr>
-              <a:spcAft>
-                <a:spcPts val="600"/>
-              </a:spcAft>
-            </a:pPr>
-            <a:r>
-              <a:rPr lang="en-US" sz="1800" dirty="0"/>
-              <a:t>Find Daily Trend/Noise data to align with daily stocks data</a:t>
-            </a:r>
-          </a:p>
-          <a:p>
-            <a:pPr>
-              <a:spcAft>
-                <a:spcPts val="600"/>
-              </a:spcAft>
-            </a:pPr>
-            <a:r>
-              <a:rPr lang="en-US" sz="1800" dirty="0"/>
-              <a:t>If can’t be found, warehouse daily to build missing data</a:t>
-            </a:r>
-          </a:p>
-          <a:p>
-            <a:pPr>
-              <a:spcAft>
-                <a:spcPts val="600"/>
-              </a:spcAft>
-            </a:pPr>
-            <a:r>
-              <a:rPr lang="en-US" sz="1800" dirty="0"/>
-              <a:t>Build charts/dashboards</a:t>
-            </a:r>
-          </a:p>
-          <a:p>
-            <a:pPr>
-              <a:spcAft>
-                <a:spcPts val="600"/>
-              </a:spcAft>
-            </a:pPr>
-            <a:r>
-              <a:rPr lang="en-US" sz="1800" dirty="0"/>
-              <a:t>Reduce time grain to hourly, minute for automated trading/prescription reporting (take automatic action on report).</a:t>
-            </a:r>
-          </a:p>
-          <a:p>
-            <a:pPr>
-              <a:spcAft>
-                <a:spcPts val="600"/>
-              </a:spcAft>
-            </a:pPr>
-            <a:endParaRPr lang="en-US" sz="1800" dirty="0"/>
-          </a:p>
-          <a:p>
-            <a:pPr>
-              <a:spcAft>
-                <a:spcPts val="600"/>
-              </a:spcAft>
-            </a:pPr>
-            <a:endParaRPr lang="en-US" sz="1800" dirty="0"/>
-          </a:p>
-          <a:p>
-            <a:pPr>
-              <a:spcAft>
-                <a:spcPts val="600"/>
-              </a:spcAft>
-            </a:pPr>
-            <a:endParaRPr lang="en-US" sz="1800" dirty="0"/>
-          </a:p>
-          <a:p>
-            <a:pPr>
-              <a:spcAft>
-                <a:spcPts val="600"/>
-              </a:spcAft>
-            </a:pPr>
-            <a:endParaRPr lang="en-US" sz="1800" dirty="0"/>
+            <a:endParaRPr lang="en-US"/>
           </a:p>
         </p:txBody>
       </p:sp>
     </p:spTree>
     <p:extLst>
       <p:ext uri="{BB962C8B-B14F-4D97-AF65-F5344CB8AC3E}">
-        <p14:creationId xmlns:p14="http://schemas.microsoft.com/office/powerpoint/2010/main" val="1352665434"/>
+        <p14:creationId xmlns:p14="http://schemas.microsoft.com/office/powerpoint/2010/main" val="2347461722"/>
       </p:ext>
     </p:extLst>
   </p:cSld>
@@ -7457,7 +8351,7 @@
           <p:cNvPr id="5" name="Title 4">
             <a:extLst>
               <a:ext uri="{FF2B5EF4-FFF2-40B4-BE49-F238E27FC236}">
-                <a16:creationId xmlns:a16="http://schemas.microsoft.com/office/drawing/2014/main" id="{6229D272-CD8F-44E9-8790-217BC2FFC777}"/>
+                <a16:creationId xmlns:a16="http://schemas.microsoft.com/office/drawing/2014/main" id="{D4296CC1-D52C-4736-AB4E-1D2D2C75C616}"/>
               </a:ext>
             </a:extLst>
           </p:cNvPr>
@@ -7475,45 +8369,14 @@
           <a:p>
             <a:r>
               <a:rPr lang="en-US" dirty="0"/>
-              <a:t>Questions?</a:t>
-            </a:r>
-          </a:p>
-        </p:txBody>
-      </p:sp>
-      <p:sp>
-        <p:nvSpPr>
-          <p:cNvPr id="6" name="Text Placeholder 5">
-            <a:extLst>
-              <a:ext uri="{FF2B5EF4-FFF2-40B4-BE49-F238E27FC236}">
-                <a16:creationId xmlns:a16="http://schemas.microsoft.com/office/drawing/2014/main" id="{D7DC2AC3-222C-406D-B69B-1802F4ED9C1B}"/>
-              </a:ext>
-            </a:extLst>
-          </p:cNvPr>
-          <p:cNvSpPr>
-            <a:spLocks noGrp="1"/>
-          </p:cNvSpPr>
-          <p:nvPr>
-            <p:ph type="body" idx="1"/>
-          </p:nvPr>
-        </p:nvSpPr>
-        <p:spPr/>
-        <p:txBody>
-          <a:bodyPr/>
-          <a:lstStyle/>
-          <a:p>
-            <a:endParaRPr lang="en-US" dirty="0"/>
-          </a:p>
-        </p:txBody>
-      </p:sp>
-      <p:sp>
-        <p:nvSpPr>
-          <p:cNvPr id="4" name="Slide Number Placeholder 3">
-            <a:extLst>
-              <a:ext uri="{FF2B5EF4-FFF2-40B4-BE49-F238E27FC236}">
-                <a16:creationId xmlns:a16="http://schemas.microsoft.com/office/drawing/2014/main" id="{8A126BAB-AD9D-4CD8-A7EA-15B31EA7F368}"/>
-              </a:ext>
-            </a:extLst>
-          </p:cNvPr>
+              <a:t>Potential Next Steps</a:t>
+            </a:r>
+          </a:p>
+        </p:txBody>
+      </p:sp>
+      <p:sp>
+        <p:nvSpPr>
+          <p:cNvPr id="4" name="Slide Number Placeholder 3"/>
           <p:cNvSpPr>
             <a:spLocks noGrp="1"/>
           </p:cNvSpPr>
@@ -7531,14 +8394,133 @@
               <a:pPr/>
               <a:t>8</a:t>
             </a:fld>
-            <a:endParaRPr lang="en-US"/>
+            <a:endParaRPr lang="en-US" dirty="0"/>
+          </a:p>
+        </p:txBody>
+      </p:sp>
+      <p:sp>
+        <p:nvSpPr>
+          <p:cNvPr id="7" name="Content Placeholder 6">
+            <a:extLst>
+              <a:ext uri="{FF2B5EF4-FFF2-40B4-BE49-F238E27FC236}">
+                <a16:creationId xmlns:a16="http://schemas.microsoft.com/office/drawing/2014/main" id="{B7837073-5C1D-46BB-A1F0-03E5003E8F35}"/>
+              </a:ext>
+            </a:extLst>
+          </p:cNvPr>
+          <p:cNvSpPr>
+            <a:spLocks noGrp="1"/>
+          </p:cNvSpPr>
+          <p:nvPr>
+            <p:ph idx="1"/>
+          </p:nvPr>
+        </p:nvSpPr>
+        <p:spPr/>
+        <p:txBody>
+          <a:bodyPr>
+            <a:normAutofit/>
+          </a:bodyPr>
+          <a:lstStyle/>
+          <a:p>
+            <a:pPr>
+              <a:spcAft>
+                <a:spcPts val="600"/>
+              </a:spcAft>
+            </a:pPr>
+            <a:r>
+              <a:rPr lang="en-US" sz="1800" dirty="0"/>
+              <a:t>Find Daily Trend/Noise data to align with daily-frequency stock data</a:t>
+            </a:r>
+          </a:p>
+          <a:p>
+            <a:pPr>
+              <a:spcAft>
+                <a:spcPts val="600"/>
+              </a:spcAft>
+            </a:pPr>
+            <a:r>
+              <a:rPr lang="en-US" sz="1800" dirty="0"/>
+              <a:t>If daily source can’t be found, warehouse daily to build missing data</a:t>
+            </a:r>
+          </a:p>
+          <a:p>
+            <a:pPr>
+              <a:spcAft>
+                <a:spcPts val="600"/>
+              </a:spcAft>
+            </a:pPr>
+            <a:r>
+              <a:rPr lang="en-US" sz="1800" dirty="0"/>
+              <a:t>Build charts/dashboards</a:t>
+            </a:r>
+          </a:p>
+          <a:p>
+            <a:pPr>
+              <a:spcAft>
+                <a:spcPts val="600"/>
+              </a:spcAft>
+            </a:pPr>
+            <a:r>
+              <a:rPr lang="en-US" sz="1800" dirty="0"/>
+              <a:t>Reduce time grain to hourly, minute for automated trading/prescription reporting (take automatic action on report).</a:t>
+            </a:r>
+          </a:p>
+          <a:p>
+            <a:pPr>
+              <a:spcAft>
+                <a:spcPts val="600"/>
+              </a:spcAft>
+            </a:pPr>
+            <a:r>
+              <a:rPr lang="en-US" sz="1800" dirty="0"/>
+              <a:t>Setup automated sleep logic to keep </a:t>
+            </a:r>
+            <a:r>
+              <a:rPr lang="en-US" sz="1800" dirty="0" err="1"/>
+              <a:t>Twint</a:t>
+            </a:r>
+            <a:r>
+              <a:rPr lang="en-US" sz="1800" dirty="0"/>
+              <a:t> collection engine running (watchdog)</a:t>
+            </a:r>
+          </a:p>
+          <a:p>
+            <a:pPr>
+              <a:spcAft>
+                <a:spcPts val="600"/>
+              </a:spcAft>
+            </a:pPr>
+            <a:endParaRPr lang="en-US" sz="1800" dirty="0"/>
+          </a:p>
+          <a:p>
+            <a:pPr>
+              <a:spcAft>
+                <a:spcPts val="600"/>
+              </a:spcAft>
+            </a:pPr>
+            <a:endParaRPr lang="en-US" sz="1800" dirty="0"/>
+          </a:p>
+          <a:p>
+            <a:pPr>
+              <a:spcAft>
+                <a:spcPts val="600"/>
+              </a:spcAft>
+            </a:pPr>
+            <a:endParaRPr lang="en-US" sz="1800" dirty="0"/>
+          </a:p>
+          <a:p>
+            <a:pPr>
+              <a:spcAft>
+                <a:spcPts val="600"/>
+              </a:spcAft>
+            </a:pPr>
+            <a:endParaRPr lang="en-US" sz="1800" dirty="0"/>
           </a:p>
         </p:txBody>
       </p:sp>
     </p:spTree>
     <p:extLst>
       <p:ext uri="{BB962C8B-B14F-4D97-AF65-F5344CB8AC3E}">
-        <p14:creationId xmlns:p14="http://schemas.microsoft.com/office/powerpoint/2010/main" val="1876129600"/>
+        <p14:creationId xmlns:p14="http://schemas.microsoft.com/office/powerpoint/2010/main" val="1352665434"/>
       </p:ext>
     </p:extLst>
   </p:cSld>

--- a/NU-Project2_Stocks.pptx
+++ b/NU-Project2_Stocks.pptx
@@ -7254,7 +7254,7 @@
         </p:nvSpPr>
         <p:spPr>
           <a:xfrm>
-            <a:off x="578395" y="1585705"/>
+            <a:off x="350936" y="1528828"/>
             <a:ext cx="3352256" cy="1581150"/>
           </a:xfrm>
         </p:spPr>
@@ -7322,10 +7322,10 @@
       </p:sp>
       <p:sp>
         <p:nvSpPr>
-          <p:cNvPr id="17" name="Arrow: Right 16">
+          <p:cNvPr id="21" name="Speech Bubble: Rectangle 20">
             <a:extLst>
               <a:ext uri="{FF2B5EF4-FFF2-40B4-BE49-F238E27FC236}">
-                <a16:creationId xmlns:a16="http://schemas.microsoft.com/office/drawing/2014/main" id="{AD226FA7-6C6A-4DFA-84C0-2E4EB5133A85}"/>
+                <a16:creationId xmlns:a16="http://schemas.microsoft.com/office/drawing/2014/main" id="{96DFCE6E-2ECF-437A-A066-11B2FA473E47}"/>
               </a:ext>
             </a:extLst>
           </p:cNvPr>
@@ -7334,8 +7334,58 @@
         </p:nvSpPr>
         <p:spPr>
           <a:xfrm>
-            <a:off x="3048034" y="1150731"/>
-            <a:ext cx="736565" cy="293257"/>
+            <a:off x="4139571" y="4238486"/>
+            <a:ext cx="1398258" cy="352425"/>
+          </a:xfrm>
+          <a:prstGeom prst="wedgeRectCallout">
+            <a:avLst>
+              <a:gd name="adj1" fmla="val -76179"/>
+              <a:gd name="adj2" fmla="val 25364"/>
+            </a:avLst>
+          </a:prstGeom>
+        </p:spPr>
+        <p:style>
+          <a:lnRef idx="1">
+            <a:schemeClr val="dk1"/>
+          </a:lnRef>
+          <a:fillRef idx="2">
+            <a:schemeClr val="dk1"/>
+          </a:fillRef>
+          <a:effectRef idx="1">
+            <a:schemeClr val="dk1"/>
+          </a:effectRef>
+          <a:fontRef idx="minor">
+            <a:schemeClr val="dk1"/>
+          </a:fontRef>
+        </p:style>
+        <p:txBody>
+          <a:bodyPr rtlCol="0" anchor="ctr"/>
+          <a:lstStyle/>
+          <a:p>
+            <a:pPr algn="ctr"/>
+            <a:r>
+              <a:rPr lang="en-US" sz="1000" dirty="0"/>
+              <a:t>Moved to CSV dataset</a:t>
+            </a:r>
+          </a:p>
+        </p:txBody>
+      </p:sp>
+      <p:sp>
+        <p:nvSpPr>
+          <p:cNvPr id="23" name="Arrow: Right 22">
+            <a:extLst>
+              <a:ext uri="{FF2B5EF4-FFF2-40B4-BE49-F238E27FC236}">
+                <a16:creationId xmlns:a16="http://schemas.microsoft.com/office/drawing/2014/main" id="{A0CAA4E0-D6BD-4462-9FA9-A2D604A52B25}"/>
+              </a:ext>
+            </a:extLst>
+          </p:cNvPr>
+          <p:cNvSpPr/>
+          <p:nvPr/>
+        </p:nvSpPr>
+        <p:spPr>
+          <a:xfrm rot="5400000">
+            <a:off x="3100085" y="3846140"/>
+            <a:ext cx="753379" cy="293257"/>
           </a:xfrm>
           <a:prstGeom prst="rightArrow">
             <a:avLst/>
@@ -7366,10 +7416,10 @@
       </p:sp>
       <p:sp>
         <p:nvSpPr>
-          <p:cNvPr id="21" name="Speech Bubble: Rectangle 20">
+          <p:cNvPr id="25" name="Arrow: Right 24">
             <a:extLst>
               <a:ext uri="{FF2B5EF4-FFF2-40B4-BE49-F238E27FC236}">
-                <a16:creationId xmlns:a16="http://schemas.microsoft.com/office/drawing/2014/main" id="{96DFCE6E-2ECF-437A-A066-11B2FA473E47}"/>
+                <a16:creationId xmlns:a16="http://schemas.microsoft.com/office/drawing/2014/main" id="{ECED4934-94AB-4A34-940C-A165E9E7C3FC}"/>
               </a:ext>
             </a:extLst>
           </p:cNvPr>
@@ -7377,14 +7427,58 @@
           <p:nvPr/>
         </p:nvSpPr>
         <p:spPr>
+          <a:xfrm rot="10800000">
+            <a:off x="5226797" y="3272200"/>
+            <a:ext cx="736563" cy="293257"/>
+          </a:xfrm>
+          <a:prstGeom prst="rightArrow">
+            <a:avLst/>
+          </a:prstGeom>
+        </p:spPr>
+        <p:style>
+          <a:lnRef idx="1">
+            <a:schemeClr val="accent1"/>
+          </a:lnRef>
+          <a:fillRef idx="3">
+            <a:schemeClr val="accent1"/>
+          </a:fillRef>
+          <a:effectRef idx="2">
+            <a:schemeClr val="accent1"/>
+          </a:effectRef>
+          <a:fontRef idx="minor">
+            <a:schemeClr val="lt1"/>
+          </a:fontRef>
+        </p:style>
+        <p:txBody>
+          <a:bodyPr rtlCol="0" anchor="ctr"/>
+          <a:lstStyle/>
+          <a:p>
+            <a:pPr algn="ctr"/>
+            <a:endParaRPr lang="en-US"/>
+          </a:p>
+        </p:txBody>
+      </p:sp>
+      <p:sp>
+        <p:nvSpPr>
+          <p:cNvPr id="22" name="Speech Bubble: Rectangle 21">
+            <a:extLst>
+              <a:ext uri="{FF2B5EF4-FFF2-40B4-BE49-F238E27FC236}">
+                <a16:creationId xmlns:a16="http://schemas.microsoft.com/office/drawing/2014/main" id="{D8CBBEA0-AAF4-401E-900D-36CA96287A44}"/>
+              </a:ext>
+            </a:extLst>
+          </p:cNvPr>
+          <p:cNvSpPr/>
+          <p:nvPr/>
+        </p:nvSpPr>
+        <p:spPr>
           <a:xfrm>
-            <a:off x="4139571" y="4238486"/>
-            <a:ext cx="1398258" cy="352425"/>
+            <a:off x="3930651" y="2808377"/>
+            <a:ext cx="1003300" cy="299826"/>
           </a:xfrm>
           <a:prstGeom prst="wedgeRectCallout">
             <a:avLst>
-              <a:gd name="adj1" fmla="val -76179"/>
-              <a:gd name="adj2" fmla="val 25364"/>
+              <a:gd name="adj1" fmla="val -17869"/>
+              <a:gd name="adj2" fmla="val 101362"/>
             </a:avLst>
           </a:prstGeom>
         </p:spPr>
@@ -7409,144 +7503,6 @@
             <a:pPr algn="ctr"/>
             <a:r>
               <a:rPr lang="en-US" sz="1000" dirty="0"/>
-              <a:t>Moved to CSV dataset</a:t>
-            </a:r>
-          </a:p>
-        </p:txBody>
-      </p:sp>
-      <p:sp>
-        <p:nvSpPr>
-          <p:cNvPr id="23" name="Arrow: Right 22">
-            <a:extLst>
-              <a:ext uri="{FF2B5EF4-FFF2-40B4-BE49-F238E27FC236}">
-                <a16:creationId xmlns:a16="http://schemas.microsoft.com/office/drawing/2014/main" id="{A0CAA4E0-D6BD-4462-9FA9-A2D604A52B25}"/>
-              </a:ext>
-            </a:extLst>
-          </p:cNvPr>
-          <p:cNvSpPr/>
-          <p:nvPr/>
-        </p:nvSpPr>
-        <p:spPr>
-          <a:xfrm rot="5400000">
-            <a:off x="3100085" y="3846140"/>
-            <a:ext cx="753379" cy="293257"/>
-          </a:xfrm>
-          <a:prstGeom prst="rightArrow">
-            <a:avLst/>
-          </a:prstGeom>
-        </p:spPr>
-        <p:style>
-          <a:lnRef idx="1">
-            <a:schemeClr val="accent1"/>
-          </a:lnRef>
-          <a:fillRef idx="3">
-            <a:schemeClr val="accent1"/>
-          </a:fillRef>
-          <a:effectRef idx="2">
-            <a:schemeClr val="accent1"/>
-          </a:effectRef>
-          <a:fontRef idx="minor">
-            <a:schemeClr val="lt1"/>
-          </a:fontRef>
-        </p:style>
-        <p:txBody>
-          <a:bodyPr rtlCol="0" anchor="ctr"/>
-          <a:lstStyle/>
-          <a:p>
-            <a:pPr algn="ctr"/>
-            <a:endParaRPr lang="en-US"/>
-          </a:p>
-        </p:txBody>
-      </p:sp>
-      <p:sp>
-        <p:nvSpPr>
-          <p:cNvPr id="25" name="Arrow: Right 24">
-            <a:extLst>
-              <a:ext uri="{FF2B5EF4-FFF2-40B4-BE49-F238E27FC236}">
-                <a16:creationId xmlns:a16="http://schemas.microsoft.com/office/drawing/2014/main" id="{ECED4934-94AB-4A34-940C-A165E9E7C3FC}"/>
-              </a:ext>
-            </a:extLst>
-          </p:cNvPr>
-          <p:cNvSpPr/>
-          <p:nvPr/>
-        </p:nvSpPr>
-        <p:spPr>
-          <a:xfrm rot="10800000">
-            <a:off x="5226797" y="3272200"/>
-            <a:ext cx="736563" cy="293257"/>
-          </a:xfrm>
-          <a:prstGeom prst="rightArrow">
-            <a:avLst/>
-          </a:prstGeom>
-        </p:spPr>
-        <p:style>
-          <a:lnRef idx="1">
-            <a:schemeClr val="accent1"/>
-          </a:lnRef>
-          <a:fillRef idx="3">
-            <a:schemeClr val="accent1"/>
-          </a:fillRef>
-          <a:effectRef idx="2">
-            <a:schemeClr val="accent1"/>
-          </a:effectRef>
-          <a:fontRef idx="minor">
-            <a:schemeClr val="lt1"/>
-          </a:fontRef>
-        </p:style>
-        <p:txBody>
-          <a:bodyPr rtlCol="0" anchor="ctr"/>
-          <a:lstStyle/>
-          <a:p>
-            <a:pPr algn="ctr"/>
-            <a:endParaRPr lang="en-US"/>
-          </a:p>
-        </p:txBody>
-      </p:sp>
-      <p:sp>
-        <p:nvSpPr>
-          <p:cNvPr id="22" name="Speech Bubble: Rectangle 21">
-            <a:extLst>
-              <a:ext uri="{FF2B5EF4-FFF2-40B4-BE49-F238E27FC236}">
-                <a16:creationId xmlns:a16="http://schemas.microsoft.com/office/drawing/2014/main" id="{D8CBBEA0-AAF4-401E-900D-36CA96287A44}"/>
-              </a:ext>
-            </a:extLst>
-          </p:cNvPr>
-          <p:cNvSpPr/>
-          <p:nvPr/>
-        </p:nvSpPr>
-        <p:spPr>
-          <a:xfrm>
-            <a:off x="3930651" y="2808377"/>
-            <a:ext cx="1003300" cy="299826"/>
-          </a:xfrm>
-          <a:prstGeom prst="wedgeRectCallout">
-            <a:avLst>
-              <a:gd name="adj1" fmla="val -17869"/>
-              <a:gd name="adj2" fmla="val 101362"/>
-            </a:avLst>
-          </a:prstGeom>
-        </p:spPr>
-        <p:style>
-          <a:lnRef idx="1">
-            <a:schemeClr val="dk1"/>
-          </a:lnRef>
-          <a:fillRef idx="2">
-            <a:schemeClr val="dk1"/>
-          </a:fillRef>
-          <a:effectRef idx="1">
-            <a:schemeClr val="dk1"/>
-          </a:effectRef>
-          <a:fontRef idx="minor">
-            <a:schemeClr val="dk1"/>
-          </a:fontRef>
-        </p:style>
-        <p:txBody>
-          <a:bodyPr rtlCol="0" anchor="ctr"/>
-          <a:lstStyle/>
-          <a:p>
-            <a:pPr algn="ctr"/>
-            <a:r>
-              <a:rPr lang="en-US" sz="1000" dirty="0"/>
               <a:t>Strip time from time stamp</a:t>
             </a:r>
           </a:p>
@@ -7566,13 +7522,13 @@
         </p:nvSpPr>
         <p:spPr>
           <a:xfrm>
-            <a:off x="5828078" y="1297359"/>
-            <a:ext cx="1560148" cy="401849"/>
+            <a:off x="2251076" y="988421"/>
+            <a:ext cx="1123244" cy="460301"/>
           </a:xfrm>
           <a:prstGeom prst="wedgeRectCallout">
             <a:avLst>
-              <a:gd name="adj1" fmla="val -60611"/>
-              <a:gd name="adj2" fmla="val 111951"/>
+              <a:gd name="adj1" fmla="val 88070"/>
+              <a:gd name="adj2" fmla="val 40215"/>
             </a:avLst>
           </a:prstGeom>
         </p:spPr>
@@ -7672,7 +7628,7 @@
         </p:blipFill>
         <p:spPr>
           <a:xfrm>
-            <a:off x="1762125" y="1092689"/>
+            <a:off x="515409" y="982281"/>
             <a:ext cx="1314450" cy="342900"/>
           </a:xfrm>
           <a:prstGeom prst="rect">
@@ -7792,7 +7748,7 @@
         </p:blipFill>
         <p:spPr>
           <a:xfrm>
-            <a:off x="3914775" y="1063229"/>
+            <a:off x="3795537" y="1063229"/>
             <a:ext cx="1847850" cy="1581150"/>
           </a:xfrm>
           <a:prstGeom prst="rect">
@@ -7824,8 +7780,8 @@
         </p:nvSpPr>
         <p:spPr>
           <a:xfrm>
-            <a:off x="5762625" y="2079211"/>
-            <a:ext cx="736565" cy="293257"/>
+            <a:off x="5654325" y="1891299"/>
+            <a:ext cx="600425" cy="293257"/>
           </a:xfrm>
           <a:prstGeom prst="rightArrow">
             <a:avLst/>
@@ -7868,7 +7824,7 @@
         </p:nvSpPr>
         <p:spPr>
           <a:xfrm>
-            <a:off x="7851001" y="2807368"/>
+            <a:off x="1678801" y="2919702"/>
             <a:ext cx="786954" cy="299826"/>
           </a:xfrm>
           <a:prstGeom prst="wedgeRectCallout">
@@ -7901,6 +7857,130 @@
               <a:rPr lang="en-US" sz="1000" dirty="0"/>
               <a:t>Required Fields</a:t>
             </a:r>
+          </a:p>
+        </p:txBody>
+      </p:sp>
+      <p:pic>
+        <p:nvPicPr>
+          <p:cNvPr id="33" name="Picture 32">
+            <a:extLst>
+              <a:ext uri="{FF2B5EF4-FFF2-40B4-BE49-F238E27FC236}">
+                <a16:creationId xmlns:a16="http://schemas.microsoft.com/office/drawing/2014/main" id="{5CAD0208-1D7F-44B2-A253-F47AA3FF394D}"/>
+              </a:ext>
+            </a:extLst>
+          </p:cNvPr>
+          <p:cNvPicPr>
+            <a:picLocks noChangeAspect="1"/>
+          </p:cNvPicPr>
+          <p:nvPr/>
+        </p:nvPicPr>
+        <p:blipFill>
+          <a:blip r:embed="rId8"/>
+          <a:stretch>
+            <a:fillRect/>
+          </a:stretch>
+        </p:blipFill>
+        <p:spPr>
+          <a:xfrm>
+            <a:off x="6254750" y="1457419"/>
+            <a:ext cx="1550098" cy="1542189"/>
+          </a:xfrm>
+          <a:prstGeom prst="rect">
+            <a:avLst/>
+          </a:prstGeom>
+          <a:ln>
+            <a:noFill/>
+          </a:ln>
+          <a:effectLst>
+            <a:outerShdw blurRad="190500" algn="tl" rotWithShape="0">
+              <a:srgbClr val="000000">
+                <a:alpha val="70000"/>
+              </a:srgbClr>
+            </a:outerShdw>
+          </a:effectLst>
+        </p:spPr>
+      </p:pic>
+      <p:pic>
+        <p:nvPicPr>
+          <p:cNvPr id="34" name="Picture 33">
+            <a:extLst>
+              <a:ext uri="{FF2B5EF4-FFF2-40B4-BE49-F238E27FC236}">
+                <a16:creationId xmlns:a16="http://schemas.microsoft.com/office/drawing/2014/main" id="{C1F1A31B-F554-459F-9931-0C67A6A549E2}"/>
+              </a:ext>
+            </a:extLst>
+          </p:cNvPr>
+          <p:cNvPicPr>
+            <a:picLocks noChangeAspect="1"/>
+          </p:cNvPicPr>
+          <p:nvPr/>
+        </p:nvPicPr>
+        <p:blipFill>
+          <a:blip r:embed="rId9"/>
+          <a:stretch>
+            <a:fillRect/>
+          </a:stretch>
+        </p:blipFill>
+        <p:spPr>
+          <a:xfrm>
+            <a:off x="5963360" y="3193572"/>
+            <a:ext cx="1872540" cy="1443558"/>
+          </a:xfrm>
+          <a:prstGeom prst="rect">
+            <a:avLst/>
+          </a:prstGeom>
+          <a:ln>
+            <a:noFill/>
+          </a:ln>
+          <a:effectLst>
+            <a:outerShdw blurRad="190500" algn="tl" rotWithShape="0">
+              <a:srgbClr val="000000">
+                <a:alpha val="70000"/>
+              </a:srgbClr>
+            </a:outerShdw>
+          </a:effectLst>
+        </p:spPr>
+      </p:pic>
+      <p:sp>
+        <p:nvSpPr>
+          <p:cNvPr id="35" name="Arrow: Right 34">
+            <a:extLst>
+              <a:ext uri="{FF2B5EF4-FFF2-40B4-BE49-F238E27FC236}">
+                <a16:creationId xmlns:a16="http://schemas.microsoft.com/office/drawing/2014/main" id="{7C5F19DA-E918-4EB6-AFCF-1279F894248E}"/>
+              </a:ext>
+            </a:extLst>
+          </p:cNvPr>
+          <p:cNvSpPr/>
+          <p:nvPr/>
+        </p:nvSpPr>
+        <p:spPr>
+          <a:xfrm rot="5400000">
+            <a:off x="6784011" y="3035052"/>
+            <a:ext cx="364145" cy="293257"/>
+          </a:xfrm>
+          <a:prstGeom prst="rightArrow">
+            <a:avLst/>
+          </a:prstGeom>
+        </p:spPr>
+        <p:style>
+          <a:lnRef idx="1">
+            <a:schemeClr val="accent1"/>
+          </a:lnRef>
+          <a:fillRef idx="3">
+            <a:schemeClr val="accent1"/>
+          </a:fillRef>
+          <a:effectRef idx="2">
+            <a:schemeClr val="accent1"/>
+          </a:effectRef>
+          <a:fontRef idx="minor">
+            <a:schemeClr val="lt1"/>
+          </a:fontRef>
+        </p:style>
+        <p:txBody>
+          <a:bodyPr rtlCol="0" anchor="ctr"/>
+          <a:lstStyle/>
+          <a:p>
+            <a:pPr algn="ctr"/>
+            <a:endParaRPr lang="en-US"/>
           </a:p>
         </p:txBody>
       </p:sp>
@@ -8004,23 +8084,23 @@
         </p:nvSpPr>
         <p:spPr>
           <a:xfrm>
-            <a:off x="4838700" y="1198832"/>
-            <a:ext cx="3454400" cy="1013671"/>
+            <a:off x="4611952" y="1054463"/>
+            <a:ext cx="3864530" cy="1013671"/>
           </a:xfrm>
         </p:spPr>
         <p:txBody>
           <a:bodyPr>
-            <a:normAutofit fontScale="92500" lnSpcReduction="20000"/>
+            <a:noAutofit/>
           </a:bodyPr>
           <a:lstStyle/>
           <a:p>
             <a:r>
-              <a:rPr lang="en-US" sz="1600" dirty="0"/>
+              <a:rPr lang="en-US" sz="1400" dirty="0"/>
               <a:t>Incoming dates are transformed, or Yearly/Weekly grains added to conform the time frequency to its lowest-time grain across both sources – weekly.</a:t>
             </a:r>
           </a:p>
           <a:p>
-            <a:endParaRPr lang="en-US" sz="1600" dirty="0"/>
+            <a:endParaRPr lang="en-US" sz="1400" dirty="0"/>
           </a:p>
         </p:txBody>
       </p:sp>
@@ -8038,12 +8118,12 @@
         </p:nvSpPr>
         <p:spPr>
           <a:xfrm>
-            <a:off x="3613919" y="3175943"/>
+            <a:off x="3290069" y="3571333"/>
             <a:ext cx="1398258" cy="451934"/>
           </a:xfrm>
           <a:prstGeom prst="wedgeRectCallout">
             <a:avLst>
-              <a:gd name="adj1" fmla="val 24640"/>
+              <a:gd name="adj1" fmla="val 19190"/>
               <a:gd name="adj2" fmla="val 85782"/>
             </a:avLst>
           </a:prstGeom>
@@ -8185,7 +8265,7 @@
         </p:blipFill>
         <p:spPr>
           <a:xfrm>
-            <a:off x="294640" y="3776490"/>
+            <a:off x="143367" y="4186113"/>
             <a:ext cx="8559800" cy="390125"/>
           </a:xfrm>
           <a:prstGeom prst="rect">
@@ -8203,6 +8283,90 @@
           </a:effectLst>
         </p:spPr>
       </p:pic>
+      <p:pic>
+        <p:nvPicPr>
+          <p:cNvPr id="6" name="Picture 5">
+            <a:extLst>
+              <a:ext uri="{FF2B5EF4-FFF2-40B4-BE49-F238E27FC236}">
+                <a16:creationId xmlns:a16="http://schemas.microsoft.com/office/drawing/2014/main" id="{AC3952D1-3C6A-4FA5-A6A7-1978F2240411}"/>
+              </a:ext>
+            </a:extLst>
+          </p:cNvPr>
+          <p:cNvPicPr>
+            <a:picLocks noChangeAspect="1"/>
+          </p:cNvPicPr>
+          <p:nvPr/>
+        </p:nvPicPr>
+        <p:blipFill>
+          <a:blip r:embed="rId4"/>
+          <a:stretch>
+            <a:fillRect/>
+          </a:stretch>
+        </p:blipFill>
+        <p:spPr>
+          <a:xfrm>
+            <a:off x="5188611" y="2073830"/>
+            <a:ext cx="3287871" cy="2032217"/>
+          </a:xfrm>
+          <a:prstGeom prst="rect">
+            <a:avLst/>
+          </a:prstGeom>
+          <a:ln>
+            <a:noFill/>
+          </a:ln>
+          <a:effectLst>
+            <a:outerShdw blurRad="190500" algn="tl" rotWithShape="0">
+              <a:srgbClr val="000000">
+                <a:alpha val="70000"/>
+              </a:srgbClr>
+            </a:outerShdw>
+          </a:effectLst>
+        </p:spPr>
+      </p:pic>
+      <p:sp>
+        <p:nvSpPr>
+          <p:cNvPr id="11" name="Arrow: Right 10">
+            <a:extLst>
+              <a:ext uri="{FF2B5EF4-FFF2-40B4-BE49-F238E27FC236}">
+                <a16:creationId xmlns:a16="http://schemas.microsoft.com/office/drawing/2014/main" id="{926503CA-C28A-4A58-98EB-4F55454ADEE1}"/>
+              </a:ext>
+            </a:extLst>
+          </p:cNvPr>
+          <p:cNvSpPr/>
+          <p:nvPr/>
+        </p:nvSpPr>
+        <p:spPr>
+          <a:xfrm rot="5400000">
+            <a:off x="1980622" y="3342492"/>
+            <a:ext cx="1352141" cy="293257"/>
+          </a:xfrm>
+          <a:prstGeom prst="rightArrow">
+            <a:avLst/>
+          </a:prstGeom>
+        </p:spPr>
+        <p:style>
+          <a:lnRef idx="1">
+            <a:schemeClr val="accent1"/>
+          </a:lnRef>
+          <a:fillRef idx="3">
+            <a:schemeClr val="accent1"/>
+          </a:fillRef>
+          <a:effectRef idx="2">
+            <a:schemeClr val="accent1"/>
+          </a:effectRef>
+          <a:fontRef idx="minor">
+            <a:schemeClr val="lt1"/>
+          </a:fontRef>
+        </p:style>
+        <p:txBody>
+          <a:bodyPr rtlCol="0" anchor="ctr"/>
+          <a:lstStyle/>
+          <a:p>
+            <a:pPr algn="ctr"/>
+            <a:endParaRPr lang="en-US"/>
+          </a:p>
+        </p:txBody>
+      </p:sp>
     </p:spTree>
     <p:extLst>
       <p:ext uri="{BB962C8B-B14F-4D97-AF65-F5344CB8AC3E}">

--- a/NU-Project2_Stocks.pptx
+++ b/NU-Project2_Stocks.pptx
@@ -8584,6 +8584,24 @@
             <a:normAutofit/>
           </a:bodyPr>
           <a:lstStyle/>
+          <a:p>
+            <a:pPr>
+              <a:spcAft>
+                <a:spcPts val="600"/>
+              </a:spcAft>
+            </a:pPr>
+            <a:r>
+              <a:rPr lang="en-US" sz="1800" dirty="0"/>
+              <a:t>Charts, or more charts </a:t>
+            </a:r>
+            <a:r>
+              <a:rPr lang="en-US" sz="1800" dirty="0">
+                <a:sym typeface="Wingdings" panose="05000000000000000000" pitchFamily="2" charset="2"/>
+              </a:rPr>
+              <a:t></a:t>
+            </a:r>
+            <a:endParaRPr lang="en-US" sz="1800" dirty="0"/>
+          </a:p>
           <a:p>
             <a:pPr>
               <a:spcAft>

--- a/NU-Project2_Stocks.pptx
+++ b/NU-Project2_Stocks.pptx
@@ -8084,7 +8084,7 @@
         </p:nvSpPr>
         <p:spPr>
           <a:xfrm>
-            <a:off x="4611952" y="1054463"/>
+            <a:off x="4611952" y="935535"/>
             <a:ext cx="3864530" cy="1013671"/>
           </a:xfrm>
         </p:spPr>
@@ -8283,12 +8283,56 @@
           </a:effectLst>
         </p:spPr>
       </p:pic>
+      <p:sp>
+        <p:nvSpPr>
+          <p:cNvPr id="11" name="Arrow: Right 10">
+            <a:extLst>
+              <a:ext uri="{FF2B5EF4-FFF2-40B4-BE49-F238E27FC236}">
+                <a16:creationId xmlns:a16="http://schemas.microsoft.com/office/drawing/2014/main" id="{926503CA-C28A-4A58-98EB-4F55454ADEE1}"/>
+              </a:ext>
+            </a:extLst>
+          </p:cNvPr>
+          <p:cNvSpPr/>
+          <p:nvPr/>
+        </p:nvSpPr>
+        <p:spPr>
+          <a:xfrm rot="5400000">
+            <a:off x="1980622" y="3342492"/>
+            <a:ext cx="1352141" cy="293257"/>
+          </a:xfrm>
+          <a:prstGeom prst="rightArrow">
+            <a:avLst/>
+          </a:prstGeom>
+        </p:spPr>
+        <p:style>
+          <a:lnRef idx="1">
+            <a:schemeClr val="accent1"/>
+          </a:lnRef>
+          <a:fillRef idx="3">
+            <a:schemeClr val="accent1"/>
+          </a:fillRef>
+          <a:effectRef idx="2">
+            <a:schemeClr val="accent1"/>
+          </a:effectRef>
+          <a:fontRef idx="minor">
+            <a:schemeClr val="lt1"/>
+          </a:fontRef>
+        </p:style>
+        <p:txBody>
+          <a:bodyPr rtlCol="0" anchor="ctr"/>
+          <a:lstStyle/>
+          <a:p>
+            <a:pPr algn="ctr"/>
+            <a:endParaRPr lang="en-US"/>
+          </a:p>
+        </p:txBody>
+      </p:sp>
       <p:pic>
         <p:nvPicPr>
-          <p:cNvPr id="6" name="Picture 5">
+          <p:cNvPr id="8" name="Picture 7">
             <a:extLst>
               <a:ext uri="{FF2B5EF4-FFF2-40B4-BE49-F238E27FC236}">
-                <a16:creationId xmlns:a16="http://schemas.microsoft.com/office/drawing/2014/main" id="{AC3952D1-3C6A-4FA5-A6A7-1978F2240411}"/>
+                <a16:creationId xmlns:a16="http://schemas.microsoft.com/office/drawing/2014/main" id="{CE6732C6-6E01-4536-BCFD-8E0E044E59B1}"/>
               </a:ext>
             </a:extLst>
           </p:cNvPr>
@@ -8305,8 +8349,8 @@
         </p:blipFill>
         <p:spPr>
           <a:xfrm>
-            <a:off x="5188611" y="2073830"/>
-            <a:ext cx="3287871" cy="2032217"/>
+            <a:off x="4901591" y="1906558"/>
+            <a:ext cx="3680050" cy="2116709"/>
           </a:xfrm>
           <a:prstGeom prst="rect">
             <a:avLst/>
@@ -8323,50 +8367,6 @@
           </a:effectLst>
         </p:spPr>
       </p:pic>
-      <p:sp>
-        <p:nvSpPr>
-          <p:cNvPr id="11" name="Arrow: Right 10">
-            <a:extLst>
-              <a:ext uri="{FF2B5EF4-FFF2-40B4-BE49-F238E27FC236}">
-                <a16:creationId xmlns:a16="http://schemas.microsoft.com/office/drawing/2014/main" id="{926503CA-C28A-4A58-98EB-4F55454ADEE1}"/>
-              </a:ext>
-            </a:extLst>
-          </p:cNvPr>
-          <p:cNvSpPr/>
-          <p:nvPr/>
-        </p:nvSpPr>
-        <p:spPr>
-          <a:xfrm rot="5400000">
-            <a:off x="1980622" y="3342492"/>
-            <a:ext cx="1352141" cy="293257"/>
-          </a:xfrm>
-          <a:prstGeom prst="rightArrow">
-            <a:avLst/>
-          </a:prstGeom>
-        </p:spPr>
-        <p:style>
-          <a:lnRef idx="1">
-            <a:schemeClr val="accent1"/>
-          </a:lnRef>
-          <a:fillRef idx="3">
-            <a:schemeClr val="accent1"/>
-          </a:fillRef>
-          <a:effectRef idx="2">
-            <a:schemeClr val="accent1"/>
-          </a:effectRef>
-          <a:fontRef idx="minor">
-            <a:schemeClr val="lt1"/>
-          </a:fontRef>
-        </p:style>
-        <p:txBody>
-          <a:bodyPr rtlCol="0" anchor="ctr"/>
-          <a:lstStyle/>
-          <a:p>
-            <a:pPr algn="ctr"/>
-            <a:endParaRPr lang="en-US"/>
-          </a:p>
-        </p:txBody>
-      </p:sp>
     </p:spTree>
     <p:extLst>
       <p:ext uri="{BB962C8B-B14F-4D97-AF65-F5344CB8AC3E}">

--- a/NU-Project2_Stocks.pptx
+++ b/NU-Project2_Stocks.pptx
@@ -5,10 +5,10 @@
     <p:sldMasterId id="2147483648" r:id="rId1"/>
   </p:sldMasterIdLst>
   <p:notesMasterIdLst>
-    <p:notesMasterId r:id="rId12"/>
+    <p:notesMasterId r:id="rId11"/>
   </p:notesMasterIdLst>
   <p:handoutMasterIdLst>
-    <p:handoutMasterId r:id="rId13"/>
+    <p:handoutMasterId r:id="rId12"/>
   </p:handoutMasterIdLst>
   <p:sldIdLst>
     <p:sldId id="256" r:id="rId2"/>
@@ -18,9 +18,8 @@
     <p:sldId id="300" r:id="rId6"/>
     <p:sldId id="302" r:id="rId7"/>
     <p:sldId id="301" r:id="rId8"/>
-    <p:sldId id="294" r:id="rId9"/>
-    <p:sldId id="266" r:id="rId10"/>
-    <p:sldId id="296" r:id="rId11"/>
+    <p:sldId id="266" r:id="rId9"/>
+    <p:sldId id="296" r:id="rId10"/>
   </p:sldIdLst>
   <p:sldSz cx="9144000" cy="5143500" type="screen16x9"/>
   <p:notesSz cx="6858000" cy="9144000"/>
@@ -131,7 +130,6 @@
             <p14:sldId id="300"/>
             <p14:sldId id="302"/>
             <p14:sldId id="301"/>
-            <p14:sldId id="294"/>
             <p14:sldId id="266"/>
             <p14:sldId id="296"/>
           </p14:sldIdLst>
@@ -4352,119 +4350,6 @@
 </p:sld>
 </file>
 
-<file path=ppt/slides/slide10.xml><?xml version="1.0" encoding="utf-8"?>
-<p:sld xmlns:a="http://schemas.openxmlformats.org/drawingml/2006/main" xmlns:r="http://schemas.openxmlformats.org/officeDocument/2006/relationships" xmlns:p="http://schemas.openxmlformats.org/presentationml/2006/main">
-  <p:cSld>
-    <p:spTree>
-      <p:nvGrpSpPr>
-        <p:cNvPr id="1" name=""/>
-        <p:cNvGrpSpPr/>
-        <p:nvPr/>
-      </p:nvGrpSpPr>
-      <p:grpSpPr>
-        <a:xfrm>
-          <a:off x="0" y="0"/>
-          <a:ext cx="0" cy="0"/>
-          <a:chOff x="0" y="0"/>
-          <a:chExt cx="0" cy="0"/>
-        </a:xfrm>
-      </p:grpSpPr>
-      <p:sp>
-        <p:nvSpPr>
-          <p:cNvPr id="5" name="Title 4">
-            <a:extLst>
-              <a:ext uri="{FF2B5EF4-FFF2-40B4-BE49-F238E27FC236}">
-                <a16:creationId xmlns:a16="http://schemas.microsoft.com/office/drawing/2014/main" id="{6229D272-CD8F-44E9-8790-217BC2FFC777}"/>
-              </a:ext>
-            </a:extLst>
-          </p:cNvPr>
-          <p:cNvSpPr>
-            <a:spLocks noGrp="1"/>
-          </p:cNvSpPr>
-          <p:nvPr>
-            <p:ph type="title"/>
-          </p:nvPr>
-        </p:nvSpPr>
-        <p:spPr/>
-        <p:txBody>
-          <a:bodyPr/>
-          <a:lstStyle/>
-          <a:p>
-            <a:r>
-              <a:rPr lang="en-US" dirty="0"/>
-              <a:t>Questions?</a:t>
-            </a:r>
-          </a:p>
-        </p:txBody>
-      </p:sp>
-      <p:sp>
-        <p:nvSpPr>
-          <p:cNvPr id="6" name="Text Placeholder 5">
-            <a:extLst>
-              <a:ext uri="{FF2B5EF4-FFF2-40B4-BE49-F238E27FC236}">
-                <a16:creationId xmlns:a16="http://schemas.microsoft.com/office/drawing/2014/main" id="{D7DC2AC3-222C-406D-B69B-1802F4ED9C1B}"/>
-              </a:ext>
-            </a:extLst>
-          </p:cNvPr>
-          <p:cNvSpPr>
-            <a:spLocks noGrp="1"/>
-          </p:cNvSpPr>
-          <p:nvPr>
-            <p:ph type="body" idx="1"/>
-          </p:nvPr>
-        </p:nvSpPr>
-        <p:spPr/>
-        <p:txBody>
-          <a:bodyPr/>
-          <a:lstStyle/>
-          <a:p>
-            <a:endParaRPr lang="en-US" dirty="0"/>
-          </a:p>
-        </p:txBody>
-      </p:sp>
-      <p:sp>
-        <p:nvSpPr>
-          <p:cNvPr id="4" name="Slide Number Placeholder 3">
-            <a:extLst>
-              <a:ext uri="{FF2B5EF4-FFF2-40B4-BE49-F238E27FC236}">
-                <a16:creationId xmlns:a16="http://schemas.microsoft.com/office/drawing/2014/main" id="{8A126BAB-AD9D-4CD8-A7EA-15B31EA7F368}"/>
-              </a:ext>
-            </a:extLst>
-          </p:cNvPr>
-          <p:cNvSpPr>
-            <a:spLocks noGrp="1"/>
-          </p:cNvSpPr>
-          <p:nvPr>
-            <p:ph type="sldNum" sz="quarter" idx="12"/>
-          </p:nvPr>
-        </p:nvSpPr>
-        <p:spPr/>
-        <p:txBody>
-          <a:bodyPr/>
-          <a:lstStyle/>
-          <a:p>
-            <a:fld id="{106E12CD-FCB1-464E-A775-0B83FDDACE03}" type="slidenum">
-              <a:rPr lang="en-US" smtClean="0"/>
-              <a:pPr/>
-              <a:t>9</a:t>
-            </a:fld>
-            <a:endParaRPr lang="en-US"/>
-          </a:p>
-        </p:txBody>
-      </p:sp>
-    </p:spTree>
-    <p:extLst>
-      <p:ext uri="{BB962C8B-B14F-4D97-AF65-F5344CB8AC3E}">
-        <p14:creationId xmlns:p14="http://schemas.microsoft.com/office/powerpoint/2010/main" val="1876129600"/>
-      </p:ext>
-    </p:extLst>
-  </p:cSld>
-  <p:clrMapOvr>
-    <a:masterClrMapping/>
-  </p:clrMapOvr>
-</p:sld>
-</file>
-
 <file path=ppt/slides/slide2.xml><?xml version="1.0" encoding="utf-8"?>
 <p:sld xmlns:a="http://schemas.openxmlformats.org/drawingml/2006/main" xmlns:r="http://schemas.openxmlformats.org/officeDocument/2006/relationships" xmlns:p="http://schemas.openxmlformats.org/presentationml/2006/main">
   <p:cSld>
@@ -8032,12 +7917,14 @@
         </p:nvSpPr>
         <p:spPr/>
         <p:txBody>
-          <a:bodyPr/>
+          <a:bodyPr>
+            <a:normAutofit/>
+          </a:bodyPr>
           <a:lstStyle/>
           <a:p>
             <a:r>
-              <a:rPr lang="en-US" dirty="0"/>
-              <a:t>Merging Stocks &amp; Trend Data</a:t>
+              <a:rPr lang="en-US" sz="3600" dirty="0"/>
+              <a:t>Merging Stock, Trend, and Tweet Data</a:t>
             </a:r>
           </a:p>
         </p:txBody>
@@ -8402,7 +8289,7 @@
           <p:cNvPr id="5" name="Title 4">
             <a:extLst>
               <a:ext uri="{FF2B5EF4-FFF2-40B4-BE49-F238E27FC236}">
-                <a16:creationId xmlns:a16="http://schemas.microsoft.com/office/drawing/2014/main" id="{6229D272-CD8F-44E9-8790-217BC2FFC777}"/>
+                <a16:creationId xmlns:a16="http://schemas.microsoft.com/office/drawing/2014/main" id="{D4296CC1-D52C-4736-AB4E-1D2D2C75C616}"/>
               </a:ext>
             </a:extLst>
           </p:cNvPr>
@@ -8420,45 +8307,14 @@
           <a:p>
             <a:r>
               <a:rPr lang="en-US" dirty="0"/>
-              <a:t>Results &amp; Analysis</a:t>
-            </a:r>
-          </a:p>
-        </p:txBody>
-      </p:sp>
-      <p:sp>
-        <p:nvSpPr>
-          <p:cNvPr id="6" name="Text Placeholder 5">
-            <a:extLst>
-              <a:ext uri="{FF2B5EF4-FFF2-40B4-BE49-F238E27FC236}">
-                <a16:creationId xmlns:a16="http://schemas.microsoft.com/office/drawing/2014/main" id="{D7DC2AC3-222C-406D-B69B-1802F4ED9C1B}"/>
-              </a:ext>
-            </a:extLst>
-          </p:cNvPr>
-          <p:cNvSpPr>
-            <a:spLocks noGrp="1"/>
-          </p:cNvSpPr>
-          <p:nvPr>
-            <p:ph type="body" idx="1"/>
-          </p:nvPr>
-        </p:nvSpPr>
-        <p:spPr/>
-        <p:txBody>
-          <a:bodyPr/>
-          <a:lstStyle/>
-          <a:p>
-            <a:endParaRPr lang="en-US" dirty="0"/>
-          </a:p>
-        </p:txBody>
-      </p:sp>
-      <p:sp>
-        <p:nvSpPr>
-          <p:cNvPr id="4" name="Slide Number Placeholder 3">
-            <a:extLst>
-              <a:ext uri="{FF2B5EF4-FFF2-40B4-BE49-F238E27FC236}">
-                <a16:creationId xmlns:a16="http://schemas.microsoft.com/office/drawing/2014/main" id="{8A126BAB-AD9D-4CD8-A7EA-15B31EA7F368}"/>
-              </a:ext>
-            </a:extLst>
-          </p:cNvPr>
+              <a:t>Potential Next Steps</a:t>
+            </a:r>
+          </a:p>
+        </p:txBody>
+      </p:sp>
+      <p:sp>
+        <p:nvSpPr>
+          <p:cNvPr id="4" name="Slide Number Placeholder 3"/>
           <p:cNvSpPr>
             <a:spLocks noGrp="1"/>
           </p:cNvSpPr>
@@ -8476,14 +8332,151 @@
               <a:pPr/>
               <a:t>7</a:t>
             </a:fld>
-            <a:endParaRPr lang="en-US"/>
+            <a:endParaRPr lang="en-US" dirty="0"/>
+          </a:p>
+        </p:txBody>
+      </p:sp>
+      <p:sp>
+        <p:nvSpPr>
+          <p:cNvPr id="7" name="Content Placeholder 6">
+            <a:extLst>
+              <a:ext uri="{FF2B5EF4-FFF2-40B4-BE49-F238E27FC236}">
+                <a16:creationId xmlns:a16="http://schemas.microsoft.com/office/drawing/2014/main" id="{B7837073-5C1D-46BB-A1F0-03E5003E8F35}"/>
+              </a:ext>
+            </a:extLst>
+          </p:cNvPr>
+          <p:cNvSpPr>
+            <a:spLocks noGrp="1"/>
+          </p:cNvSpPr>
+          <p:nvPr>
+            <p:ph idx="1"/>
+          </p:nvPr>
+        </p:nvSpPr>
+        <p:spPr/>
+        <p:txBody>
+          <a:bodyPr>
+            <a:normAutofit/>
+          </a:bodyPr>
+          <a:lstStyle/>
+          <a:p>
+            <a:pPr>
+              <a:spcAft>
+                <a:spcPts val="600"/>
+              </a:spcAft>
+            </a:pPr>
+            <a:r>
+              <a:rPr lang="en-US" sz="1800" dirty="0"/>
+              <a:t>Charts, and more charts </a:t>
+            </a:r>
+            <a:r>
+              <a:rPr lang="en-US" sz="1800" dirty="0">
+                <a:sym typeface="Wingdings" panose="05000000000000000000" pitchFamily="2" charset="2"/>
+              </a:rPr>
+              <a:t></a:t>
+            </a:r>
+            <a:endParaRPr lang="en-US" sz="1800" dirty="0"/>
+          </a:p>
+          <a:p>
+            <a:pPr>
+              <a:spcAft>
+                <a:spcPts val="600"/>
+              </a:spcAft>
+            </a:pPr>
+            <a:r>
+              <a:rPr lang="en-US" sz="1800" dirty="0"/>
+              <a:t>Find Daily Trend/Noise data to align with daily-frequency stock data</a:t>
+            </a:r>
+          </a:p>
+          <a:p>
+            <a:pPr>
+              <a:spcAft>
+                <a:spcPts val="600"/>
+              </a:spcAft>
+            </a:pPr>
+            <a:r>
+              <a:rPr lang="en-US" sz="1800" dirty="0"/>
+              <a:t>If daily source can’t be found, warehouse daily to build missing data</a:t>
+            </a:r>
+          </a:p>
+          <a:p>
+            <a:pPr>
+              <a:spcAft>
+                <a:spcPts val="600"/>
+              </a:spcAft>
+            </a:pPr>
+            <a:r>
+              <a:rPr lang="en-US" sz="1800" dirty="0"/>
+              <a:t>Build charts/dashboards</a:t>
+            </a:r>
+          </a:p>
+          <a:p>
+            <a:pPr>
+              <a:spcAft>
+                <a:spcPts val="600"/>
+              </a:spcAft>
+            </a:pPr>
+            <a:r>
+              <a:rPr lang="en-US" sz="1800" dirty="0"/>
+              <a:t>Reduce time grain to hourly, minute for automated trading/prescription reporting (take automatic action on report).</a:t>
+            </a:r>
+          </a:p>
+          <a:p>
+            <a:pPr>
+              <a:spcAft>
+                <a:spcPts val="600"/>
+              </a:spcAft>
+            </a:pPr>
+            <a:r>
+              <a:rPr lang="en-US" sz="1800" dirty="0"/>
+              <a:t>Setup automated sleep logic to keep </a:t>
+            </a:r>
+            <a:r>
+              <a:rPr lang="en-US" sz="1800" dirty="0" err="1"/>
+              <a:t>Twint</a:t>
+            </a:r>
+            <a:r>
+              <a:rPr lang="en-US" sz="1800" dirty="0"/>
+              <a:t> collection engine running (watchdog)</a:t>
+            </a:r>
+          </a:p>
+          <a:p>
+            <a:pPr>
+              <a:spcAft>
+                <a:spcPts val="600"/>
+              </a:spcAft>
+            </a:pPr>
+            <a:endParaRPr lang="en-US" sz="1800" dirty="0"/>
+          </a:p>
+          <a:p>
+            <a:pPr>
+              <a:spcAft>
+                <a:spcPts val="600"/>
+              </a:spcAft>
+            </a:pPr>
+            <a:endParaRPr lang="en-US" sz="1800" dirty="0"/>
+          </a:p>
+          <a:p>
+            <a:pPr>
+              <a:spcAft>
+                <a:spcPts val="600"/>
+              </a:spcAft>
+            </a:pPr>
+            <a:endParaRPr lang="en-US" sz="1800" dirty="0"/>
+          </a:p>
+          <a:p>
+            <a:pPr>
+              <a:spcAft>
+                <a:spcPts val="600"/>
+              </a:spcAft>
+            </a:pPr>
+            <a:endParaRPr lang="en-US" sz="1800" dirty="0"/>
           </a:p>
         </p:txBody>
       </p:sp>
     </p:spTree>
     <p:extLst>
       <p:ext uri="{BB962C8B-B14F-4D97-AF65-F5344CB8AC3E}">
-        <p14:creationId xmlns:p14="http://schemas.microsoft.com/office/powerpoint/2010/main" val="2347461722"/>
+        <p14:creationId xmlns:p14="http://schemas.microsoft.com/office/powerpoint/2010/main" val="1352665434"/>
       </p:ext>
     </p:extLst>
   </p:cSld>
@@ -8515,7 +8508,7 @@
           <p:cNvPr id="5" name="Title 4">
             <a:extLst>
               <a:ext uri="{FF2B5EF4-FFF2-40B4-BE49-F238E27FC236}">
-                <a16:creationId xmlns:a16="http://schemas.microsoft.com/office/drawing/2014/main" id="{D4296CC1-D52C-4736-AB4E-1D2D2C75C616}"/>
+                <a16:creationId xmlns:a16="http://schemas.microsoft.com/office/drawing/2014/main" id="{6229D272-CD8F-44E9-8790-217BC2FFC777}"/>
               </a:ext>
             </a:extLst>
           </p:cNvPr>
@@ -8533,14 +8526,45 @@
           <a:p>
             <a:r>
               <a:rPr lang="en-US" dirty="0"/>
-              <a:t>Potential Next Steps</a:t>
-            </a:r>
-          </a:p>
-        </p:txBody>
-      </p:sp>
-      <p:sp>
-        <p:nvSpPr>
-          <p:cNvPr id="4" name="Slide Number Placeholder 3"/>
+              <a:t>Questions?</a:t>
+            </a:r>
+          </a:p>
+        </p:txBody>
+      </p:sp>
+      <p:sp>
+        <p:nvSpPr>
+          <p:cNvPr id="6" name="Text Placeholder 5">
+            <a:extLst>
+              <a:ext uri="{FF2B5EF4-FFF2-40B4-BE49-F238E27FC236}">
+                <a16:creationId xmlns:a16="http://schemas.microsoft.com/office/drawing/2014/main" id="{D7DC2AC3-222C-406D-B69B-1802F4ED9C1B}"/>
+              </a:ext>
+            </a:extLst>
+          </p:cNvPr>
+          <p:cNvSpPr>
+            <a:spLocks noGrp="1"/>
+          </p:cNvSpPr>
+          <p:nvPr>
+            <p:ph type="body" idx="1"/>
+          </p:nvPr>
+        </p:nvSpPr>
+        <p:spPr/>
+        <p:txBody>
+          <a:bodyPr/>
+          <a:lstStyle/>
+          <a:p>
+            <a:endParaRPr lang="en-US" dirty="0"/>
+          </a:p>
+        </p:txBody>
+      </p:sp>
+      <p:sp>
+        <p:nvSpPr>
+          <p:cNvPr id="4" name="Slide Number Placeholder 3">
+            <a:extLst>
+              <a:ext uri="{FF2B5EF4-FFF2-40B4-BE49-F238E27FC236}">
+                <a16:creationId xmlns:a16="http://schemas.microsoft.com/office/drawing/2014/main" id="{8A126BAB-AD9D-4CD8-A7EA-15B31EA7F368}"/>
+              </a:ext>
+            </a:extLst>
+          </p:cNvPr>
           <p:cNvSpPr>
             <a:spLocks noGrp="1"/>
           </p:cNvSpPr>
@@ -8558,151 +8582,14 @@
               <a:pPr/>
               <a:t>8</a:t>
             </a:fld>
-            <a:endParaRPr lang="en-US" dirty="0"/>
-          </a:p>
-        </p:txBody>
-      </p:sp>
-      <p:sp>
-        <p:nvSpPr>
-          <p:cNvPr id="7" name="Content Placeholder 6">
-            <a:extLst>
-              <a:ext uri="{FF2B5EF4-FFF2-40B4-BE49-F238E27FC236}">
-                <a16:creationId xmlns:a16="http://schemas.microsoft.com/office/drawing/2014/main" id="{B7837073-5C1D-46BB-A1F0-03E5003E8F35}"/>
-              </a:ext>
-            </a:extLst>
-          </p:cNvPr>
-          <p:cNvSpPr>
-            <a:spLocks noGrp="1"/>
-          </p:cNvSpPr>
-          <p:nvPr>
-            <p:ph idx="1"/>
-          </p:nvPr>
-        </p:nvSpPr>
-        <p:spPr/>
-        <p:txBody>
-          <a:bodyPr>
-            <a:normAutofit/>
-          </a:bodyPr>
-          <a:lstStyle/>
-          <a:p>
-            <a:pPr>
-              <a:spcAft>
-                <a:spcPts val="600"/>
-              </a:spcAft>
-            </a:pPr>
-            <a:r>
-              <a:rPr lang="en-US" sz="1800" dirty="0"/>
-              <a:t>Charts, or more charts </a:t>
-            </a:r>
-            <a:r>
-              <a:rPr lang="en-US" sz="1800" dirty="0">
-                <a:sym typeface="Wingdings" panose="05000000000000000000" pitchFamily="2" charset="2"/>
-              </a:rPr>
-              <a:t></a:t>
-            </a:r>
-            <a:endParaRPr lang="en-US" sz="1800" dirty="0"/>
-          </a:p>
-          <a:p>
-            <a:pPr>
-              <a:spcAft>
-                <a:spcPts val="600"/>
-              </a:spcAft>
-            </a:pPr>
-            <a:r>
-              <a:rPr lang="en-US" sz="1800" dirty="0"/>
-              <a:t>Find Daily Trend/Noise data to align with daily-frequency stock data</a:t>
-            </a:r>
-          </a:p>
-          <a:p>
-            <a:pPr>
-              <a:spcAft>
-                <a:spcPts val="600"/>
-              </a:spcAft>
-            </a:pPr>
-            <a:r>
-              <a:rPr lang="en-US" sz="1800" dirty="0"/>
-              <a:t>If daily source can’t be found, warehouse daily to build missing data</a:t>
-            </a:r>
-          </a:p>
-          <a:p>
-            <a:pPr>
-              <a:spcAft>
-                <a:spcPts val="600"/>
-              </a:spcAft>
-            </a:pPr>
-            <a:r>
-              <a:rPr lang="en-US" sz="1800" dirty="0"/>
-              <a:t>Build charts/dashboards</a:t>
-            </a:r>
-          </a:p>
-          <a:p>
-            <a:pPr>
-              <a:spcAft>
-                <a:spcPts val="600"/>
-              </a:spcAft>
-            </a:pPr>
-            <a:r>
-              <a:rPr lang="en-US" sz="1800" dirty="0"/>
-              <a:t>Reduce time grain to hourly, minute for automated trading/prescription reporting (take automatic action on report).</a:t>
-            </a:r>
-          </a:p>
-          <a:p>
-            <a:pPr>
-              <a:spcAft>
-                <a:spcPts val="600"/>
-              </a:spcAft>
-            </a:pPr>
-            <a:r>
-              <a:rPr lang="en-US" sz="1800" dirty="0"/>
-              <a:t>Setup automated sleep logic to keep </a:t>
-            </a:r>
-            <a:r>
-              <a:rPr lang="en-US" sz="1800" dirty="0" err="1"/>
-              <a:t>Twint</a:t>
-            </a:r>
-            <a:r>
-              <a:rPr lang="en-US" sz="1800" dirty="0"/>
-              <a:t> collection engine running (watchdog)</a:t>
-            </a:r>
-          </a:p>
-          <a:p>
-            <a:pPr>
-              <a:spcAft>
-                <a:spcPts val="600"/>
-              </a:spcAft>
-            </a:pPr>
-            <a:endParaRPr lang="en-US" sz="1800" dirty="0"/>
-          </a:p>
-          <a:p>
-            <a:pPr>
-              <a:spcAft>
-                <a:spcPts val="600"/>
-              </a:spcAft>
-            </a:pPr>
-            <a:endParaRPr lang="en-US" sz="1800" dirty="0"/>
-          </a:p>
-          <a:p>
-            <a:pPr>
-              <a:spcAft>
-                <a:spcPts val="600"/>
-              </a:spcAft>
-            </a:pPr>
-            <a:endParaRPr lang="en-US" sz="1800" dirty="0"/>
-          </a:p>
-          <a:p>
-            <a:pPr>
-              <a:spcAft>
-                <a:spcPts val="600"/>
-              </a:spcAft>
-            </a:pPr>
-            <a:endParaRPr lang="en-US" sz="1800" dirty="0"/>
+            <a:endParaRPr lang="en-US"/>
           </a:p>
         </p:txBody>
       </p:sp>
     </p:spTree>
     <p:extLst>
       <p:ext uri="{BB962C8B-B14F-4D97-AF65-F5344CB8AC3E}">
-        <p14:creationId xmlns:p14="http://schemas.microsoft.com/office/powerpoint/2010/main" val="1352665434"/>
+        <p14:creationId xmlns:p14="http://schemas.microsoft.com/office/powerpoint/2010/main" val="1876129600"/>
       </p:ext>
     </p:extLst>
   </p:cSld>

--- a/NU-Project2_Stocks.pptx
+++ b/NU-Project2_Stocks.pptx
@@ -4788,7 +4788,7 @@
           <a:p>
             <a:r>
               <a:rPr lang="en-US" dirty="0"/>
-              <a:t>Sessions 9-12 ()</a:t>
+              <a:t>Sessions 9-12</a:t>
             </a:r>
           </a:p>
         </p:txBody>
@@ -4965,13 +4965,7 @@
           <a:p>
             <a:r>
               <a:rPr lang="en-US" sz="1200" dirty="0"/>
-              <a:t>Stock data was by day and trend data was by week aggregated to a Sunday.   Team transformed the Sunday date to additional columns of data of Year and Week along with stocks’ Adjusted Closing data on Friday</a:t>
-            </a:r>
-          </a:p>
-          <a:p>
-            <a:r>
-              <a:rPr lang="en-US" sz="1200" dirty="0"/>
-              <a:t>Not enough time, had to stop pursing other ideas such as a cool tweeter feed Mason had worked on to meet deadline. </a:t>
+              <a:t>Stock data was by-day and trend data was by week aggregated to a Sunday.   Team transformed the Sunday date given from Google-Trend data to match the same week as stock data.  Additional columns added, Year and Week to conform amongst data sets.</a:t>
             </a:r>
           </a:p>
           <a:p>

--- a/NU-Project2_Stocks.pptx
+++ b/NU-Project2_Stocks.pptx
@@ -5746,13 +5746,13 @@
         </p:nvSpPr>
         <p:spPr>
           <a:xfrm>
-            <a:off x="5270733" y="1034011"/>
+            <a:off x="5173456" y="1018599"/>
             <a:ext cx="1117734" cy="299826"/>
           </a:xfrm>
           <a:prstGeom prst="wedgeRectCallout">
             <a:avLst>
-              <a:gd name="adj1" fmla="val -91298"/>
-              <a:gd name="adj2" fmla="val -4533"/>
+              <a:gd name="adj1" fmla="val -86076"/>
+              <a:gd name="adj2" fmla="val 36563"/>
             </a:avLst>
           </a:prstGeom>
         </p:spPr>
@@ -6210,13 +6210,13 @@
         </p:nvSpPr>
         <p:spPr>
           <a:xfrm>
-            <a:off x="7424971" y="3239806"/>
-            <a:ext cx="1117734" cy="299826"/>
+            <a:off x="7546444" y="3587049"/>
+            <a:ext cx="728552" cy="299826"/>
           </a:xfrm>
           <a:prstGeom prst="wedgeRectCallout">
             <a:avLst>
-              <a:gd name="adj1" fmla="val -91298"/>
-              <a:gd name="adj2" fmla="val -4533"/>
+              <a:gd name="adj1" fmla="val -88977"/>
+              <a:gd name="adj2" fmla="val -17510"/>
             </a:avLst>
           </a:prstGeom>
         </p:spPr>
@@ -6370,6 +6370,56 @@
           </a:effectLst>
         </p:spPr>
       </p:pic>
+      <p:sp>
+        <p:nvSpPr>
+          <p:cNvPr id="19" name="Speech Bubble: Rectangle 18">
+            <a:extLst>
+              <a:ext uri="{FF2B5EF4-FFF2-40B4-BE49-F238E27FC236}">
+                <a16:creationId xmlns:a16="http://schemas.microsoft.com/office/drawing/2014/main" id="{C8304D1F-84BE-445B-865D-AD6C81EC45BF}"/>
+              </a:ext>
+            </a:extLst>
+          </p:cNvPr>
+          <p:cNvSpPr/>
+          <p:nvPr/>
+        </p:nvSpPr>
+        <p:spPr>
+          <a:xfrm>
+            <a:off x="7518604" y="2798428"/>
+            <a:ext cx="605748" cy="299826"/>
+          </a:xfrm>
+          <a:prstGeom prst="wedgeRectCallout">
+            <a:avLst>
+              <a:gd name="adj1" fmla="val -28236"/>
+              <a:gd name="adj2" fmla="val -91051"/>
+            </a:avLst>
+          </a:prstGeom>
+        </p:spPr>
+        <p:style>
+          <a:lnRef idx="1">
+            <a:schemeClr val="dk1"/>
+          </a:lnRef>
+          <a:fillRef idx="2">
+            <a:schemeClr val="dk1"/>
+          </a:fillRef>
+          <a:effectRef idx="1">
+            <a:schemeClr val="dk1"/>
+          </a:effectRef>
+          <a:fontRef idx="minor">
+            <a:schemeClr val="dk1"/>
+          </a:fontRef>
+        </p:style>
+        <p:txBody>
+          <a:bodyPr rtlCol="0" anchor="ctr"/>
+          <a:lstStyle/>
+          <a:p>
+            <a:pPr algn="ctr"/>
+            <a:r>
+              <a:rPr lang="en-US" sz="1000" dirty="0"/>
+              <a:t>Raw data</a:t>
+            </a:r>
+          </a:p>
+        </p:txBody>
+      </p:sp>
     </p:spTree>
     <p:extLst>
       <p:ext uri="{BB962C8B-B14F-4D97-AF65-F5344CB8AC3E}">
@@ -6907,7 +6957,7 @@
         </p:nvSpPr>
         <p:spPr>
           <a:xfrm>
-            <a:off x="7640009" y="2915246"/>
+            <a:off x="7552215" y="3389924"/>
             <a:ext cx="786954" cy="299826"/>
           </a:xfrm>
           <a:prstGeom prst="wedgeRectCallout">
@@ -7033,6 +7083,56 @@
           </a:effectLst>
         </p:spPr>
       </p:pic>
+      <p:sp>
+        <p:nvSpPr>
+          <p:cNvPr id="18" name="Speech Bubble: Rectangle 17">
+            <a:extLst>
+              <a:ext uri="{FF2B5EF4-FFF2-40B4-BE49-F238E27FC236}">
+                <a16:creationId xmlns:a16="http://schemas.microsoft.com/office/drawing/2014/main" id="{9762F26C-2963-48CE-9FCB-6296882B566E}"/>
+              </a:ext>
+            </a:extLst>
+          </p:cNvPr>
+          <p:cNvSpPr/>
+          <p:nvPr/>
+        </p:nvSpPr>
+        <p:spPr>
+          <a:xfrm>
+            <a:off x="7942547" y="1714253"/>
+            <a:ext cx="501494" cy="299826"/>
+          </a:xfrm>
+          <a:prstGeom prst="wedgeRectCallout">
+            <a:avLst>
+              <a:gd name="adj1" fmla="val -85983"/>
+              <a:gd name="adj2" fmla="val -32651"/>
+            </a:avLst>
+          </a:prstGeom>
+        </p:spPr>
+        <p:style>
+          <a:lnRef idx="1">
+            <a:schemeClr val="dk1"/>
+          </a:lnRef>
+          <a:fillRef idx="2">
+            <a:schemeClr val="dk1"/>
+          </a:fillRef>
+          <a:effectRef idx="1">
+            <a:schemeClr val="dk1"/>
+          </a:effectRef>
+          <a:fontRef idx="minor">
+            <a:schemeClr val="dk1"/>
+          </a:fontRef>
+        </p:style>
+        <p:txBody>
+          <a:bodyPr rtlCol="0" anchor="ctr"/>
+          <a:lstStyle/>
+          <a:p>
+            <a:pPr algn="ctr"/>
+            <a:r>
+              <a:rPr lang="en-US" sz="1000" dirty="0"/>
+              <a:t>Raw data</a:t>
+            </a:r>
+          </a:p>
+        </p:txBody>
+      </p:sp>
     </p:spTree>
     <p:extLst>
       <p:ext uri="{BB962C8B-B14F-4D97-AF65-F5344CB8AC3E}">
@@ -7689,56 +7789,6 @@
           </a:p>
         </p:txBody>
       </p:sp>
-      <p:sp>
-        <p:nvSpPr>
-          <p:cNvPr id="29" name="Speech Bubble: Rectangle 28">
-            <a:extLst>
-              <a:ext uri="{FF2B5EF4-FFF2-40B4-BE49-F238E27FC236}">
-                <a16:creationId xmlns:a16="http://schemas.microsoft.com/office/drawing/2014/main" id="{091818BF-EDD5-4A00-9761-F7E23A41A4F9}"/>
-              </a:ext>
-            </a:extLst>
-          </p:cNvPr>
-          <p:cNvSpPr/>
-          <p:nvPr/>
-        </p:nvSpPr>
-        <p:spPr>
-          <a:xfrm>
-            <a:off x="1678801" y="2919702"/>
-            <a:ext cx="786954" cy="299826"/>
-          </a:xfrm>
-          <a:prstGeom prst="wedgeRectCallout">
-            <a:avLst>
-              <a:gd name="adj1" fmla="val -91298"/>
-              <a:gd name="adj2" fmla="val -4533"/>
-            </a:avLst>
-          </a:prstGeom>
-        </p:spPr>
-        <p:style>
-          <a:lnRef idx="1">
-            <a:schemeClr val="dk1"/>
-          </a:lnRef>
-          <a:fillRef idx="2">
-            <a:schemeClr val="dk1"/>
-          </a:fillRef>
-          <a:effectRef idx="1">
-            <a:schemeClr val="dk1"/>
-          </a:effectRef>
-          <a:fontRef idx="minor">
-            <a:schemeClr val="dk1"/>
-          </a:fontRef>
-        </p:style>
-        <p:txBody>
-          <a:bodyPr rtlCol="0" anchor="ctr"/>
-          <a:lstStyle/>
-          <a:p>
-            <a:pPr algn="ctr"/>
-            <a:r>
-              <a:rPr lang="en-US" sz="1000" dirty="0"/>
-              <a:t>Required Fields</a:t>
-            </a:r>
-          </a:p>
-        </p:txBody>
-      </p:sp>
       <p:pic>
         <p:nvPicPr>
           <p:cNvPr id="33" name="Picture 32">
@@ -7860,6 +7910,56 @@
           <a:p>
             <a:pPr algn="ctr"/>
             <a:endParaRPr lang="en-US"/>
+          </a:p>
+        </p:txBody>
+      </p:sp>
+      <p:sp>
+        <p:nvSpPr>
+          <p:cNvPr id="24" name="Speech Bubble: Rectangle 23">
+            <a:extLst>
+              <a:ext uri="{FF2B5EF4-FFF2-40B4-BE49-F238E27FC236}">
+                <a16:creationId xmlns:a16="http://schemas.microsoft.com/office/drawing/2014/main" id="{18839427-4D33-48A4-9276-05F412E7AE8B}"/>
+              </a:ext>
+            </a:extLst>
+          </p:cNvPr>
+          <p:cNvSpPr/>
+          <p:nvPr/>
+        </p:nvSpPr>
+        <p:spPr>
+          <a:xfrm>
+            <a:off x="8095725" y="3410803"/>
+            <a:ext cx="786954" cy="299826"/>
+          </a:xfrm>
+          <a:prstGeom prst="wedgeRectCallout">
+            <a:avLst>
+              <a:gd name="adj1" fmla="val -91298"/>
+              <a:gd name="adj2" fmla="val -4533"/>
+            </a:avLst>
+          </a:prstGeom>
+        </p:spPr>
+        <p:style>
+          <a:lnRef idx="1">
+            <a:schemeClr val="dk1"/>
+          </a:lnRef>
+          <a:fillRef idx="2">
+            <a:schemeClr val="dk1"/>
+          </a:fillRef>
+          <a:effectRef idx="1">
+            <a:schemeClr val="dk1"/>
+          </a:effectRef>
+          <a:fontRef idx="minor">
+            <a:schemeClr val="dk1"/>
+          </a:fontRef>
+        </p:style>
+        <p:txBody>
+          <a:bodyPr rtlCol="0" anchor="ctr"/>
+          <a:lstStyle/>
+          <a:p>
+            <a:pPr algn="ctr"/>
+            <a:r>
+              <a:rPr lang="en-US" sz="1000" dirty="0"/>
+              <a:t>Required Fields</a:t>
+            </a:r>
           </a:p>
         </p:txBody>
       </p:sp>
